--- a/01-12-2020/Apresentação-faculdade - felipe schotka.pptx
+++ b/01-12-2020/Apresentação-faculdade - felipe schotka.pptx
@@ -8,20 +8,19 @@
     <p:sldId id="256" r:id="rId2"/>
     <p:sldId id="257" r:id="rId3"/>
     <p:sldId id="258" r:id="rId4"/>
-    <p:sldId id="261" r:id="rId5"/>
-    <p:sldId id="262" r:id="rId6"/>
-    <p:sldId id="266" r:id="rId7"/>
-    <p:sldId id="267" r:id="rId8"/>
-    <p:sldId id="263" r:id="rId9"/>
-    <p:sldId id="259" r:id="rId10"/>
-    <p:sldId id="260" r:id="rId11"/>
-    <p:sldId id="264" r:id="rId12"/>
-    <p:sldId id="265" r:id="rId13"/>
-    <p:sldId id="269" r:id="rId14"/>
-    <p:sldId id="271" r:id="rId15"/>
+    <p:sldId id="262" r:id="rId5"/>
+    <p:sldId id="266" r:id="rId6"/>
+    <p:sldId id="267" r:id="rId7"/>
+    <p:sldId id="263" r:id="rId8"/>
+    <p:sldId id="259" r:id="rId9"/>
+    <p:sldId id="260" r:id="rId10"/>
+    <p:sldId id="264" r:id="rId11"/>
+    <p:sldId id="265" r:id="rId12"/>
+    <p:sldId id="269" r:id="rId13"/>
+    <p:sldId id="271" r:id="rId14"/>
+    <p:sldId id="272" r:id="rId15"/>
     <p:sldId id="270" r:id="rId16"/>
-    <p:sldId id="272" r:id="rId17"/>
-    <p:sldId id="273" r:id="rId18"/>
+    <p:sldId id="273" r:id="rId17"/>
   </p:sldIdLst>
   <p:sldSz cx="12192000" cy="6858000"/>
   <p:notesSz cx="6858000" cy="9144000"/>
@@ -275,7 +274,7 @@
           <a:p>
             <a:fld id="{903AC68D-2EC9-46C5-BA3A-A33CC5EBF21B}" type="datetimeFigureOut">
               <a:rPr lang="pt-BR" smtClean="0"/>
-              <a:t>01/12/2020</a:t>
+              <a:t>02/12/2020</a:t>
             </a:fld>
             <a:endParaRPr lang="pt-BR"/>
           </a:p>
@@ -473,7 +472,7 @@
           <a:p>
             <a:fld id="{903AC68D-2EC9-46C5-BA3A-A33CC5EBF21B}" type="datetimeFigureOut">
               <a:rPr lang="pt-BR" smtClean="0"/>
-              <a:t>01/12/2020</a:t>
+              <a:t>02/12/2020</a:t>
             </a:fld>
             <a:endParaRPr lang="pt-BR"/>
           </a:p>
@@ -681,7 +680,7 @@
           <a:p>
             <a:fld id="{903AC68D-2EC9-46C5-BA3A-A33CC5EBF21B}" type="datetimeFigureOut">
               <a:rPr lang="pt-BR" smtClean="0"/>
-              <a:t>01/12/2020</a:t>
+              <a:t>02/12/2020</a:t>
             </a:fld>
             <a:endParaRPr lang="pt-BR"/>
           </a:p>
@@ -879,7 +878,7 @@
           <a:p>
             <a:fld id="{903AC68D-2EC9-46C5-BA3A-A33CC5EBF21B}" type="datetimeFigureOut">
               <a:rPr lang="pt-BR" smtClean="0"/>
-              <a:t>01/12/2020</a:t>
+              <a:t>02/12/2020</a:t>
             </a:fld>
             <a:endParaRPr lang="pt-BR"/>
           </a:p>
@@ -1154,7 +1153,7 @@
           <a:p>
             <a:fld id="{903AC68D-2EC9-46C5-BA3A-A33CC5EBF21B}" type="datetimeFigureOut">
               <a:rPr lang="pt-BR" smtClean="0"/>
-              <a:t>01/12/2020</a:t>
+              <a:t>02/12/2020</a:t>
             </a:fld>
             <a:endParaRPr lang="pt-BR"/>
           </a:p>
@@ -1419,7 +1418,7 @@
           <a:p>
             <a:fld id="{903AC68D-2EC9-46C5-BA3A-A33CC5EBF21B}" type="datetimeFigureOut">
               <a:rPr lang="pt-BR" smtClean="0"/>
-              <a:t>01/12/2020</a:t>
+              <a:t>02/12/2020</a:t>
             </a:fld>
             <a:endParaRPr lang="pt-BR"/>
           </a:p>
@@ -1831,7 +1830,7 @@
           <a:p>
             <a:fld id="{903AC68D-2EC9-46C5-BA3A-A33CC5EBF21B}" type="datetimeFigureOut">
               <a:rPr lang="pt-BR" smtClean="0"/>
-              <a:t>01/12/2020</a:t>
+              <a:t>02/12/2020</a:t>
             </a:fld>
             <a:endParaRPr lang="pt-BR"/>
           </a:p>
@@ -1972,7 +1971,7 @@
           <a:p>
             <a:fld id="{903AC68D-2EC9-46C5-BA3A-A33CC5EBF21B}" type="datetimeFigureOut">
               <a:rPr lang="pt-BR" smtClean="0"/>
-              <a:t>01/12/2020</a:t>
+              <a:t>02/12/2020</a:t>
             </a:fld>
             <a:endParaRPr lang="pt-BR"/>
           </a:p>
@@ -2085,7 +2084,7 @@
           <a:p>
             <a:fld id="{903AC68D-2EC9-46C5-BA3A-A33CC5EBF21B}" type="datetimeFigureOut">
               <a:rPr lang="pt-BR" smtClean="0"/>
-              <a:t>01/12/2020</a:t>
+              <a:t>02/12/2020</a:t>
             </a:fld>
             <a:endParaRPr lang="pt-BR"/>
           </a:p>
@@ -2396,7 +2395,7 @@
           <a:p>
             <a:fld id="{903AC68D-2EC9-46C5-BA3A-A33CC5EBF21B}" type="datetimeFigureOut">
               <a:rPr lang="pt-BR" smtClean="0"/>
-              <a:t>01/12/2020</a:t>
+              <a:t>02/12/2020</a:t>
             </a:fld>
             <a:endParaRPr lang="pt-BR"/>
           </a:p>
@@ -2684,7 +2683,7 @@
           <a:p>
             <a:fld id="{903AC68D-2EC9-46C5-BA3A-A33CC5EBF21B}" type="datetimeFigureOut">
               <a:rPr lang="pt-BR" smtClean="0"/>
-              <a:t>01/12/2020</a:t>
+              <a:t>02/12/2020</a:t>
             </a:fld>
             <a:endParaRPr lang="pt-BR"/>
           </a:p>
@@ -2925,7 +2924,7 @@
           <a:p>
             <a:fld id="{903AC68D-2EC9-46C5-BA3A-A33CC5EBF21B}" type="datetimeFigureOut">
               <a:rPr lang="pt-BR" smtClean="0"/>
-              <a:t>01/12/2020</a:t>
+              <a:t>02/12/2020</a:t>
             </a:fld>
             <a:endParaRPr lang="pt-BR"/>
           </a:p>
@@ -3523,10 +3522,10 @@
       </p:pic>
       <p:sp>
         <p:nvSpPr>
-          <p:cNvPr id="3" name="CaixaDeTexto 2">
-            <a:extLst>
-              <a:ext uri="{FF2B5EF4-FFF2-40B4-BE49-F238E27FC236}">
-                <a16:creationId xmlns:a16="http://schemas.microsoft.com/office/drawing/2014/main" id="{69B5F951-ACA2-4036-8A7B-01A81F8F3021}"/>
+          <p:cNvPr id="2" name="CaixaDeTexto 1">
+            <a:extLst>
+              <a:ext uri="{FF2B5EF4-FFF2-40B4-BE49-F238E27FC236}">
+                <a16:creationId xmlns:a16="http://schemas.microsoft.com/office/drawing/2014/main" id="{1FF79C3C-12EB-4C7B-9EB2-A980577CD0A2}"/>
               </a:ext>
             </a:extLst>
           </p:cNvPr>
@@ -3535,8 +3534,8 @@
         </p:nvSpPr>
         <p:spPr>
           <a:xfrm>
-            <a:off x="251791" y="662609"/>
-            <a:ext cx="11940209" cy="830997"/>
+            <a:off x="662608" y="1076572"/>
+            <a:ext cx="10866783" cy="1815882"/>
           </a:xfrm>
           <a:prstGeom prst="rect">
             <a:avLst/>
@@ -3551,31 +3550,21 @@
           <a:p>
             <a:pPr algn="ctr"/>
             <a:r>
-              <a:rPr lang="pt-BR" sz="2400" b="1" dirty="0">
+              <a:rPr lang="pt-BR" sz="2800" dirty="0">
                 <a:latin typeface="Arial" panose="020B0604020202020204" pitchFamily="34" charset="0"/>
                 <a:cs typeface="Arial" panose="020B0604020202020204" pitchFamily="34" charset="0"/>
               </a:rPr>
-              <a:t>PORQUE A CRIAÇÃO DE UM SISTEMA NOVO? </a:t>
-            </a:r>
-          </a:p>
-          <a:p>
-            <a:pPr algn="ctr"/>
-            <a:r>
-              <a:rPr lang="pt-BR" sz="2400" b="1" dirty="0">
-                <a:latin typeface="Arial" panose="020B0604020202020204" pitchFamily="34" charset="0"/>
-                <a:cs typeface="Arial" panose="020B0604020202020204" pitchFamily="34" charset="0"/>
-              </a:rPr>
-              <a:t>PORQUE NÃO UTILIZAR UM SISTEMA JÁ EXISTENTE DE MRP, ERP?</a:t>
-            </a:r>
-          </a:p>
-        </p:txBody>
-      </p:sp>
-      <p:sp>
-        <p:nvSpPr>
-          <p:cNvPr id="4" name="CaixaDeTexto 3">
-            <a:extLst>
-              <a:ext uri="{FF2B5EF4-FFF2-40B4-BE49-F238E27FC236}">
-                <a16:creationId xmlns:a16="http://schemas.microsoft.com/office/drawing/2014/main" id="{860B1175-70C2-4F79-9227-79AD9638F763}"/>
+              <a:t>O SISTEMA VAI CONTER TIPOS DIFERENTES DE AUTENTICAÇÃO DE USUARIOS PARA DIFERENTES TIPOS DE ACESSOS, ONDE O TRABALHADOR DE CADA SETOR SÓ VAI PODER UTILIZAR ALGUMAS PARTES DO SISTEMA</a:t>
+            </a:r>
+          </a:p>
+        </p:txBody>
+      </p:sp>
+      <p:sp>
+        <p:nvSpPr>
+          <p:cNvPr id="3" name="CaixaDeTexto 2">
+            <a:extLst>
+              <a:ext uri="{FF2B5EF4-FFF2-40B4-BE49-F238E27FC236}">
+                <a16:creationId xmlns:a16="http://schemas.microsoft.com/office/drawing/2014/main" id="{0F26DF3D-53A6-4F7E-847E-0347E0D96306}"/>
               </a:ext>
             </a:extLst>
           </p:cNvPr>
@@ -3584,8 +3573,8 @@
         </p:nvSpPr>
         <p:spPr>
           <a:xfrm>
-            <a:off x="430695" y="2312504"/>
-            <a:ext cx="11330609" cy="1631216"/>
+            <a:off x="450574" y="3670852"/>
+            <a:ext cx="10866783" cy="861774"/>
           </a:xfrm>
           <a:prstGeom prst="rect">
             <a:avLst/>
@@ -3604,46 +3593,7 @@
                 <a:latin typeface="Arial" panose="020B0604020202020204" pitchFamily="34" charset="0"/>
                 <a:cs typeface="Arial" panose="020B0604020202020204" pitchFamily="34" charset="0"/>
               </a:rPr>
-              <a:t>O PRINCIPAL MOTIVO DE UM SISTEMA NOVO COM A UTILIZAÇÃO DO RFID, É O CLIENTE TER UM BUDGET UM POUCO ABAIXO PARA A INTEGRAÇÃO DO RFID + SISTEMA DE MRP/ERP, E TAMBEM POR SER UMA EMPRESA QUE ESTÁ SE EXPANDINDO NO MERCADO AINDA.</a:t>
-            </a:r>
-          </a:p>
-        </p:txBody>
-      </p:sp>
-      <p:sp>
-        <p:nvSpPr>
-          <p:cNvPr id="6" name="CaixaDeTexto 5">
-            <a:extLst>
-              <a:ext uri="{FF2B5EF4-FFF2-40B4-BE49-F238E27FC236}">
-                <a16:creationId xmlns:a16="http://schemas.microsoft.com/office/drawing/2014/main" id="{C592347F-F30A-41F1-AECF-66D972A822FA}"/>
-              </a:ext>
-            </a:extLst>
-          </p:cNvPr>
-          <p:cNvSpPr txBox="1"/>
-          <p:nvPr/>
-        </p:nvSpPr>
-        <p:spPr>
-          <a:xfrm>
-            <a:off x="530086" y="4545496"/>
-            <a:ext cx="11131826" cy="1246495"/>
-          </a:xfrm>
-          <a:prstGeom prst="rect">
-            <a:avLst/>
-          </a:prstGeom>
-          <a:noFill/>
-        </p:spPr>
-        <p:txBody>
-          <a:bodyPr wrap="square" rtlCol="0">
-            <a:spAutoFit/>
-          </a:bodyPr>
-          <a:lstStyle/>
-          <a:p>
-            <a:pPr algn="ctr"/>
-            <a:r>
-              <a:rPr lang="pt-BR" sz="2500" dirty="0">
-                <a:latin typeface="Arial" panose="020B0604020202020204" pitchFamily="34" charset="0"/>
-                <a:cs typeface="Arial" panose="020B0604020202020204" pitchFamily="34" charset="0"/>
-              </a:rPr>
-              <a:t>FUTURAMENTE HAVERA A INTEGRAÇÃO DO SISTEMA DESENVOLVIDO COM UM SISTEMA DE MRP/ERP, PARA MAIOR COMODIDADE DO CLIENTE</a:t>
+              <a:t>PARA A DEMONSTRAÇÃO VAI SER UTILIZADO UMA SENHA DE ALTO NIVEL PARA DEMONSTRAR TODAS AS TELAS DO SISTEMA</a:t>
             </a:r>
           </a:p>
         </p:txBody>
@@ -3651,7 +3601,7 @@
     </p:spTree>
     <p:extLst>
       <p:ext uri="{BB962C8B-B14F-4D97-AF65-F5344CB8AC3E}">
-        <p14:creationId xmlns:p14="http://schemas.microsoft.com/office/powerpoint/2010/main" val="52481715"/>
+        <p14:creationId xmlns:p14="http://schemas.microsoft.com/office/powerpoint/2010/main" val="579371575"/>
       </p:ext>
     </p:extLst>
   </p:cSld>
@@ -3714,12 +3664,212 @@
           </a:prstGeom>
         </p:spPr>
       </p:pic>
-      <p:sp>
-        <p:nvSpPr>
-          <p:cNvPr id="2" name="CaixaDeTexto 1">
-            <a:extLst>
-              <a:ext uri="{FF2B5EF4-FFF2-40B4-BE49-F238E27FC236}">
-                <a16:creationId xmlns:a16="http://schemas.microsoft.com/office/drawing/2014/main" id="{1FF79C3C-12EB-4C7B-9EB2-A980577CD0A2}"/>
+      <p:pic>
+        <p:nvPicPr>
+          <p:cNvPr id="4" name="image15.jpeg">
+            <a:extLst>
+              <a:ext uri="{FF2B5EF4-FFF2-40B4-BE49-F238E27FC236}">
+                <a16:creationId xmlns:a16="http://schemas.microsoft.com/office/drawing/2014/main" id="{7BF527B0-6DB9-456A-B491-544AC294D137}"/>
+              </a:ext>
+            </a:extLst>
+          </p:cNvPr>
+          <p:cNvPicPr/>
+          <p:nvPr/>
+        </p:nvPicPr>
+        <p:blipFill>
+          <a:blip r:embed="rId3" cstate="print"/>
+          <a:stretch>
+            <a:fillRect/>
+          </a:stretch>
+        </p:blipFill>
+        <p:spPr>
+          <a:xfrm>
+            <a:off x="988763" y="706813"/>
+            <a:ext cx="3588385" cy="2510155"/>
+          </a:xfrm>
+          <a:prstGeom prst="rect">
+            <a:avLst/>
+          </a:prstGeom>
+        </p:spPr>
+      </p:pic>
+      <p:pic>
+        <p:nvPicPr>
+          <p:cNvPr id="6" name="image16.jpeg">
+            <a:extLst>
+              <a:ext uri="{FF2B5EF4-FFF2-40B4-BE49-F238E27FC236}">
+                <a16:creationId xmlns:a16="http://schemas.microsoft.com/office/drawing/2014/main" id="{E4F26CA7-DD4C-4D8F-8875-3408BD1927F0}"/>
+              </a:ext>
+            </a:extLst>
+          </p:cNvPr>
+          <p:cNvPicPr/>
+          <p:nvPr/>
+        </p:nvPicPr>
+        <p:blipFill>
+          <a:blip r:embed="rId4" cstate="print"/>
+          <a:stretch>
+            <a:fillRect/>
+          </a:stretch>
+        </p:blipFill>
+        <p:spPr>
+          <a:xfrm>
+            <a:off x="6750201" y="756507"/>
+            <a:ext cx="3621405" cy="2379345"/>
+          </a:xfrm>
+          <a:prstGeom prst="rect">
+            <a:avLst/>
+          </a:prstGeom>
+        </p:spPr>
+      </p:pic>
+      <p:pic>
+        <p:nvPicPr>
+          <p:cNvPr id="7" name="image17.jpeg">
+            <a:extLst>
+              <a:ext uri="{FF2B5EF4-FFF2-40B4-BE49-F238E27FC236}">
+                <a16:creationId xmlns:a16="http://schemas.microsoft.com/office/drawing/2014/main" id="{2A9A5C52-2873-482B-B8A5-FEDF064835BB}"/>
+              </a:ext>
+            </a:extLst>
+          </p:cNvPr>
+          <p:cNvPicPr/>
+          <p:nvPr/>
+        </p:nvPicPr>
+        <p:blipFill>
+          <a:blip r:embed="rId5" cstate="print"/>
+          <a:stretch>
+            <a:fillRect/>
+          </a:stretch>
+        </p:blipFill>
+        <p:spPr>
+          <a:xfrm>
+            <a:off x="4013517" y="3708233"/>
+            <a:ext cx="3555365" cy="2868930"/>
+          </a:xfrm>
+          <a:prstGeom prst="rect">
+            <a:avLst/>
+          </a:prstGeom>
+        </p:spPr>
+      </p:pic>
+      <p:sp>
+        <p:nvSpPr>
+          <p:cNvPr id="2" name="Seta: para a Direita 1">
+            <a:extLst>
+              <a:ext uri="{FF2B5EF4-FFF2-40B4-BE49-F238E27FC236}">
+                <a16:creationId xmlns:a16="http://schemas.microsoft.com/office/drawing/2014/main" id="{25FC170E-9563-4143-94B0-69B0762F2B4C}"/>
+              </a:ext>
+            </a:extLst>
+          </p:cNvPr>
+          <p:cNvSpPr/>
+          <p:nvPr/>
+        </p:nvSpPr>
+        <p:spPr>
+          <a:xfrm>
+            <a:off x="5043928" y="1868558"/>
+            <a:ext cx="1272209" cy="291547"/>
+          </a:xfrm>
+          <a:prstGeom prst="rightArrow">
+            <a:avLst/>
+          </a:prstGeom>
+        </p:spPr>
+        <p:style>
+          <a:lnRef idx="2">
+            <a:schemeClr val="dk1">
+              <a:shade val="50000"/>
+            </a:schemeClr>
+          </a:lnRef>
+          <a:fillRef idx="1">
+            <a:schemeClr val="dk1"/>
+          </a:fillRef>
+          <a:effectRef idx="0">
+            <a:schemeClr val="dk1"/>
+          </a:effectRef>
+          <a:fontRef idx="minor">
+            <a:schemeClr val="lt1"/>
+          </a:fontRef>
+        </p:style>
+        <p:txBody>
+          <a:bodyPr rtlCol="0" anchor="ctr"/>
+          <a:lstStyle/>
+          <a:p>
+            <a:pPr algn="ctr"/>
+            <a:endParaRPr lang="pt-BR">
+              <a:ln w="0"/>
+              <a:solidFill>
+                <a:schemeClr val="tx1"/>
+              </a:solidFill>
+              <a:effectLst>
+                <a:outerShdw blurRad="38100" dist="19050" dir="2700000" algn="tl" rotWithShape="0">
+                  <a:schemeClr val="dk1">
+                    <a:alpha val="40000"/>
+                  </a:schemeClr>
+                </a:outerShdw>
+              </a:effectLst>
+            </a:endParaRPr>
+          </a:p>
+        </p:txBody>
+      </p:sp>
+      <p:sp>
+        <p:nvSpPr>
+          <p:cNvPr id="8" name="Seta: para a Direita 7">
+            <a:extLst>
+              <a:ext uri="{FF2B5EF4-FFF2-40B4-BE49-F238E27FC236}">
+                <a16:creationId xmlns:a16="http://schemas.microsoft.com/office/drawing/2014/main" id="{715D54D4-7889-47C7-A1DD-0BF08F9A3260}"/>
+              </a:ext>
+            </a:extLst>
+          </p:cNvPr>
+          <p:cNvSpPr/>
+          <p:nvPr/>
+        </p:nvSpPr>
+        <p:spPr>
+          <a:xfrm rot="7869616">
+            <a:off x="8032294" y="4044545"/>
+            <a:ext cx="1272209" cy="291547"/>
+          </a:xfrm>
+          <a:prstGeom prst="rightArrow">
+            <a:avLst/>
+          </a:prstGeom>
+        </p:spPr>
+        <p:style>
+          <a:lnRef idx="2">
+            <a:schemeClr val="dk1">
+              <a:shade val="50000"/>
+            </a:schemeClr>
+          </a:lnRef>
+          <a:fillRef idx="1">
+            <a:schemeClr val="dk1"/>
+          </a:fillRef>
+          <a:effectRef idx="0">
+            <a:schemeClr val="dk1"/>
+          </a:effectRef>
+          <a:fontRef idx="minor">
+            <a:schemeClr val="lt1"/>
+          </a:fontRef>
+        </p:style>
+        <p:txBody>
+          <a:bodyPr rtlCol="0" anchor="ctr"/>
+          <a:lstStyle/>
+          <a:p>
+            <a:pPr algn="ctr"/>
+            <a:endParaRPr lang="pt-BR">
+              <a:ln w="0"/>
+              <a:solidFill>
+                <a:schemeClr val="tx1"/>
+              </a:solidFill>
+              <a:effectLst>
+                <a:outerShdw blurRad="38100" dist="19050" dir="2700000" algn="tl" rotWithShape="0">
+                  <a:schemeClr val="dk1">
+                    <a:alpha val="40000"/>
+                  </a:schemeClr>
+                </a:outerShdw>
+              </a:effectLst>
+            </a:endParaRPr>
+          </a:p>
+        </p:txBody>
+      </p:sp>
+      <p:sp>
+        <p:nvSpPr>
+          <p:cNvPr id="3" name="CaixaDeTexto 2">
+            <a:extLst>
+              <a:ext uri="{FF2B5EF4-FFF2-40B4-BE49-F238E27FC236}">
+                <a16:creationId xmlns:a16="http://schemas.microsoft.com/office/drawing/2014/main" id="{D5B558C0-BD89-4C07-BBCB-CA4F3452C921}"/>
               </a:ext>
             </a:extLst>
           </p:cNvPr>
@@ -3728,8 +3878,8 @@
         </p:nvSpPr>
         <p:spPr>
           <a:xfrm>
-            <a:off x="808383" y="2521059"/>
-            <a:ext cx="10866783" cy="1815882"/>
+            <a:off x="1359292" y="239011"/>
+            <a:ext cx="2847326" cy="374567"/>
           </a:xfrm>
           <a:prstGeom prst="rect">
             <a:avLst/>
@@ -3744,11 +3894,89 @@
           <a:p>
             <a:pPr algn="ctr"/>
             <a:r>
-              <a:rPr lang="pt-BR" sz="2800" dirty="0">
+              <a:rPr lang="pt-BR" dirty="0">
                 <a:latin typeface="Arial" panose="020B0604020202020204" pitchFamily="34" charset="0"/>
                 <a:cs typeface="Arial" panose="020B0604020202020204" pitchFamily="34" charset="0"/>
               </a:rPr>
-              <a:t>O SISTEMA VAI TER VARIOS TIPOS DE ACESSOS DE LOGIN COM NIVEIS DIFERENTES, ONDE NA DEMONSTRAÇÃO DO PROGRAMA VOU USAR UM LOGIN DE ALTO NIVEL PARA PODE ACESSAR TODAS AS TELAS.</a:t>
+              <a:t>CARREGAMENTO</a:t>
+            </a:r>
+          </a:p>
+        </p:txBody>
+      </p:sp>
+      <p:sp>
+        <p:nvSpPr>
+          <p:cNvPr id="9" name="CaixaDeTexto 8">
+            <a:extLst>
+              <a:ext uri="{FF2B5EF4-FFF2-40B4-BE49-F238E27FC236}">
+                <a16:creationId xmlns:a16="http://schemas.microsoft.com/office/drawing/2014/main" id="{7C6F7792-746D-4B08-9045-175918814CD3}"/>
+              </a:ext>
+            </a:extLst>
+          </p:cNvPr>
+          <p:cNvSpPr txBox="1"/>
+          <p:nvPr/>
+        </p:nvSpPr>
+        <p:spPr>
+          <a:xfrm>
+            <a:off x="7354957" y="267585"/>
+            <a:ext cx="2743200" cy="374567"/>
+          </a:xfrm>
+          <a:prstGeom prst="rect">
+            <a:avLst/>
+          </a:prstGeom>
+          <a:noFill/>
+        </p:spPr>
+        <p:txBody>
+          <a:bodyPr wrap="square" rtlCol="0">
+            <a:spAutoFit/>
+          </a:bodyPr>
+          <a:lstStyle/>
+          <a:p>
+            <a:pPr algn="ctr"/>
+            <a:r>
+              <a:rPr lang="pt-BR" dirty="0">
+                <a:latin typeface="Arial" panose="020B0604020202020204" pitchFamily="34" charset="0"/>
+                <a:cs typeface="Arial" panose="020B0604020202020204" pitchFamily="34" charset="0"/>
+              </a:rPr>
+              <a:t>TELA DE LOGIN</a:t>
+            </a:r>
+          </a:p>
+        </p:txBody>
+      </p:sp>
+      <p:sp>
+        <p:nvSpPr>
+          <p:cNvPr id="10" name="CaixaDeTexto 9">
+            <a:extLst>
+              <a:ext uri="{FF2B5EF4-FFF2-40B4-BE49-F238E27FC236}">
+                <a16:creationId xmlns:a16="http://schemas.microsoft.com/office/drawing/2014/main" id="{A5F399CA-9E87-4DA0-AA97-1370DFD2D017}"/>
+              </a:ext>
+            </a:extLst>
+          </p:cNvPr>
+          <p:cNvSpPr txBox="1"/>
+          <p:nvPr/>
+        </p:nvSpPr>
+        <p:spPr>
+          <a:xfrm>
+            <a:off x="4577148" y="3246138"/>
+            <a:ext cx="2152002" cy="369332"/>
+          </a:xfrm>
+          <a:prstGeom prst="rect">
+            <a:avLst/>
+          </a:prstGeom>
+          <a:noFill/>
+        </p:spPr>
+        <p:txBody>
+          <a:bodyPr wrap="square" rtlCol="0">
+            <a:spAutoFit/>
+          </a:bodyPr>
+          <a:lstStyle/>
+          <a:p>
+            <a:pPr algn="ctr"/>
+            <a:r>
+              <a:rPr lang="pt-BR" dirty="0">
+                <a:latin typeface="Arial" panose="020B0604020202020204" pitchFamily="34" charset="0"/>
+                <a:cs typeface="Arial" panose="020B0604020202020204" pitchFamily="34" charset="0"/>
+              </a:rPr>
+              <a:t>TELA PRINCIPAL</a:t>
             </a:r>
           </a:p>
         </p:txBody>
@@ -3756,7 +3984,7 @@
     </p:spTree>
     <p:extLst>
       <p:ext uri="{BB962C8B-B14F-4D97-AF65-F5344CB8AC3E}">
-        <p14:creationId xmlns:p14="http://schemas.microsoft.com/office/powerpoint/2010/main" val="579371575"/>
+        <p14:creationId xmlns:p14="http://schemas.microsoft.com/office/powerpoint/2010/main" val="1914042368"/>
       </p:ext>
     </p:extLst>
   </p:cSld>
@@ -3821,26 +4049,34 @@
       </p:pic>
       <p:pic>
         <p:nvPicPr>
-          <p:cNvPr id="4" name="image15.jpeg">
-            <a:extLst>
-              <a:ext uri="{FF2B5EF4-FFF2-40B4-BE49-F238E27FC236}">
-                <a16:creationId xmlns:a16="http://schemas.microsoft.com/office/drawing/2014/main" id="{7BF527B0-6DB9-456A-B491-544AC294D137}"/>
-              </a:ext>
-            </a:extLst>
-          </p:cNvPr>
-          <p:cNvPicPr/>
+          <p:cNvPr id="7" name="Imagem 6">
+            <a:extLst>
+              <a:ext uri="{FF2B5EF4-FFF2-40B4-BE49-F238E27FC236}">
+                <a16:creationId xmlns:a16="http://schemas.microsoft.com/office/drawing/2014/main" id="{8CF1B5BF-F80C-4DA1-BABD-9B0C589770CA}"/>
+              </a:ext>
+            </a:extLst>
+          </p:cNvPr>
+          <p:cNvPicPr>
+            <a:picLocks noChangeAspect="1"/>
+          </p:cNvPicPr>
           <p:nvPr/>
         </p:nvPicPr>
         <p:blipFill>
-          <a:blip r:embed="rId3" cstate="print"/>
+          <a:blip r:embed="rId3">
+            <a:extLst>
+              <a:ext uri="{28A0092B-C50C-407E-A947-70E740481C1C}">
+                <a14:useLocalDpi xmlns:a14="http://schemas.microsoft.com/office/drawing/2010/main" val="0"/>
+              </a:ext>
+            </a:extLst>
+          </a:blip>
           <a:stretch>
             <a:fillRect/>
           </a:stretch>
         </p:blipFill>
         <p:spPr>
           <a:xfrm>
-            <a:off x="988763" y="918845"/>
-            <a:ext cx="3588385" cy="2510155"/>
+            <a:off x="404252" y="1877254"/>
+            <a:ext cx="4990858" cy="4178989"/>
           </a:xfrm>
           <a:prstGeom prst="rect">
             <a:avLst/>
@@ -3849,10 +4085,10 @@
       </p:pic>
       <p:pic>
         <p:nvPicPr>
-          <p:cNvPr id="6" name="image16.jpeg">
-            <a:extLst>
-              <a:ext uri="{FF2B5EF4-FFF2-40B4-BE49-F238E27FC236}">
-                <a16:creationId xmlns:a16="http://schemas.microsoft.com/office/drawing/2014/main" id="{E4F26CA7-DD4C-4D8F-8875-3408BD1927F0}"/>
+          <p:cNvPr id="9" name="image25.jpeg">
+            <a:extLst>
+              <a:ext uri="{FF2B5EF4-FFF2-40B4-BE49-F238E27FC236}">
+                <a16:creationId xmlns:a16="http://schemas.microsoft.com/office/drawing/2014/main" id="{3C3E87E4-6C40-4B9D-B648-3FEDF9DE0983}"/>
               </a:ext>
             </a:extLst>
           </p:cNvPr>
@@ -3867,48 +4103,20 @@
         </p:blipFill>
         <p:spPr>
           <a:xfrm>
-            <a:off x="6750201" y="862523"/>
-            <a:ext cx="3621405" cy="2379345"/>
+            <a:off x="6699032" y="1877254"/>
+            <a:ext cx="4843611" cy="4178989"/>
           </a:xfrm>
           <a:prstGeom prst="rect">
             <a:avLst/>
           </a:prstGeom>
         </p:spPr>
       </p:pic>
-      <p:pic>
-        <p:nvPicPr>
-          <p:cNvPr id="7" name="image17.jpeg">
-            <a:extLst>
-              <a:ext uri="{FF2B5EF4-FFF2-40B4-BE49-F238E27FC236}">
-                <a16:creationId xmlns:a16="http://schemas.microsoft.com/office/drawing/2014/main" id="{2A9A5C52-2873-482B-B8A5-FEDF064835BB}"/>
-              </a:ext>
-            </a:extLst>
-          </p:cNvPr>
-          <p:cNvPicPr/>
-          <p:nvPr/>
-        </p:nvPicPr>
-        <p:blipFill>
-          <a:blip r:embed="rId5" cstate="print"/>
-          <a:stretch>
-            <a:fillRect/>
-          </a:stretch>
-        </p:blipFill>
-        <p:spPr>
-          <a:xfrm>
-            <a:off x="4013517" y="3615469"/>
-            <a:ext cx="3555365" cy="2868930"/>
-          </a:xfrm>
-          <a:prstGeom prst="rect">
-            <a:avLst/>
-          </a:prstGeom>
-        </p:spPr>
-      </p:pic>
-      <p:sp>
-        <p:nvSpPr>
-          <p:cNvPr id="2" name="Seta: para a Direita 1">
-            <a:extLst>
-              <a:ext uri="{FF2B5EF4-FFF2-40B4-BE49-F238E27FC236}">
-                <a16:creationId xmlns:a16="http://schemas.microsoft.com/office/drawing/2014/main" id="{25FC170E-9563-4143-94B0-69B0762F2B4C}"/>
+      <p:sp>
+        <p:nvSpPr>
+          <p:cNvPr id="10" name="Seta: para a Direita 9">
+            <a:extLst>
+              <a:ext uri="{FF2B5EF4-FFF2-40B4-BE49-F238E27FC236}">
+                <a16:creationId xmlns:a16="http://schemas.microsoft.com/office/drawing/2014/main" id="{C7136494-6AFF-4C2F-BBC1-E01E63D97643}"/>
               </a:ext>
             </a:extLst>
           </p:cNvPr>
@@ -3917,8 +4125,8 @@
         </p:nvSpPr>
         <p:spPr>
           <a:xfrm>
-            <a:off x="5043928" y="1948070"/>
-            <a:ext cx="1272209" cy="291547"/>
+            <a:off x="5019235" y="567070"/>
+            <a:ext cx="1679797" cy="234687"/>
           </a:xfrm>
           <a:prstGeom prst="rightArrow">
             <a:avLst/>
@@ -3961,12 +4169,48 @@
           </a:p>
         </p:txBody>
       </p:sp>
+      <p:pic>
+        <p:nvPicPr>
+          <p:cNvPr id="6" name="Imagem 5">
+            <a:extLst>
+              <a:ext uri="{FF2B5EF4-FFF2-40B4-BE49-F238E27FC236}">
+                <a16:creationId xmlns:a16="http://schemas.microsoft.com/office/drawing/2014/main" id="{83C75227-7CE4-42DF-82B2-5C9565B2F359}"/>
+              </a:ext>
+            </a:extLst>
+          </p:cNvPr>
+          <p:cNvPicPr>
+            <a:picLocks noChangeAspect="1"/>
+          </p:cNvPicPr>
+          <p:nvPr/>
+        </p:nvPicPr>
+        <p:blipFill>
+          <a:blip r:embed="rId5">
+            <a:extLst>
+              <a:ext uri="{28A0092B-C50C-407E-A947-70E740481C1C}">
+                <a14:useLocalDpi xmlns:a14="http://schemas.microsoft.com/office/drawing/2010/main" val="0"/>
+              </a:ext>
+            </a:extLst>
+          </a:blip>
+          <a:stretch>
+            <a:fillRect/>
+          </a:stretch>
+        </p:blipFill>
+        <p:spPr>
+          <a:xfrm>
+            <a:off x="1826408" y="193825"/>
+            <a:ext cx="1246383" cy="901551"/>
+          </a:xfrm>
+          <a:prstGeom prst="rect">
+            <a:avLst/>
+          </a:prstGeom>
+        </p:spPr>
+      </p:pic>
       <p:sp>
         <p:nvSpPr>
           <p:cNvPr id="8" name="Seta: para a Direita 7">
             <a:extLst>
               <a:ext uri="{FF2B5EF4-FFF2-40B4-BE49-F238E27FC236}">
-                <a16:creationId xmlns:a16="http://schemas.microsoft.com/office/drawing/2014/main" id="{715D54D4-7889-47C7-A1DD-0BF08F9A3260}"/>
+                <a16:creationId xmlns:a16="http://schemas.microsoft.com/office/drawing/2014/main" id="{41B45071-C28E-46F0-8B7B-FFA8AD7A17D7}"/>
               </a:ext>
             </a:extLst>
           </p:cNvPr>
@@ -3974,9 +4218,9 @@
           <p:nvPr/>
         </p:nvSpPr>
         <p:spPr>
-          <a:xfrm rot="7869616">
-            <a:off x="8032294" y="4044545"/>
-            <a:ext cx="1272209" cy="291547"/>
+          <a:xfrm rot="5400000">
+            <a:off x="2158216" y="1354257"/>
+            <a:ext cx="582765" cy="283995"/>
           </a:xfrm>
           <a:prstGeom prst="rightArrow">
             <a:avLst/>
@@ -4019,10 +4263,104 @@
           </a:p>
         </p:txBody>
       </p:sp>
+      <p:pic>
+        <p:nvPicPr>
+          <p:cNvPr id="11" name="Imagem 10">
+            <a:extLst>
+              <a:ext uri="{FF2B5EF4-FFF2-40B4-BE49-F238E27FC236}">
+                <a16:creationId xmlns:a16="http://schemas.microsoft.com/office/drawing/2014/main" id="{18993A16-498A-495C-8A9D-BA385957694E}"/>
+              </a:ext>
+            </a:extLst>
+          </p:cNvPr>
+          <p:cNvPicPr>
+            <a:picLocks noChangeAspect="1"/>
+          </p:cNvPicPr>
+          <p:nvPr/>
+        </p:nvPicPr>
+        <p:blipFill>
+          <a:blip r:embed="rId5">
+            <a:extLst>
+              <a:ext uri="{28A0092B-C50C-407E-A947-70E740481C1C}">
+                <a14:useLocalDpi xmlns:a14="http://schemas.microsoft.com/office/drawing/2010/main" val="0"/>
+              </a:ext>
+            </a:extLst>
+          </a:blip>
+          <a:stretch>
+            <a:fillRect/>
+          </a:stretch>
+        </p:blipFill>
+        <p:spPr>
+          <a:xfrm>
+            <a:off x="8609457" y="141721"/>
+            <a:ext cx="1246383" cy="901551"/>
+          </a:xfrm>
+          <a:prstGeom prst="rect">
+            <a:avLst/>
+          </a:prstGeom>
+        </p:spPr>
+      </p:pic>
+      <p:sp>
+        <p:nvSpPr>
+          <p:cNvPr id="12" name="Seta: para a Direita 11">
+            <a:extLst>
+              <a:ext uri="{FF2B5EF4-FFF2-40B4-BE49-F238E27FC236}">
+                <a16:creationId xmlns:a16="http://schemas.microsoft.com/office/drawing/2014/main" id="{B656F104-DE76-49BD-B115-AE7D91A38900}"/>
+              </a:ext>
+            </a:extLst>
+          </p:cNvPr>
+          <p:cNvSpPr/>
+          <p:nvPr/>
+        </p:nvSpPr>
+        <p:spPr>
+          <a:xfrm rot="5400000">
+            <a:off x="8941265" y="1302153"/>
+            <a:ext cx="582765" cy="283995"/>
+          </a:xfrm>
+          <a:prstGeom prst="rightArrow">
+            <a:avLst/>
+          </a:prstGeom>
+        </p:spPr>
+        <p:style>
+          <a:lnRef idx="2">
+            <a:schemeClr val="dk1">
+              <a:shade val="50000"/>
+            </a:schemeClr>
+          </a:lnRef>
+          <a:fillRef idx="1">
+            <a:schemeClr val="dk1"/>
+          </a:fillRef>
+          <a:effectRef idx="0">
+            <a:schemeClr val="dk1"/>
+          </a:effectRef>
+          <a:fontRef idx="minor">
+            <a:schemeClr val="lt1"/>
+          </a:fontRef>
+        </p:style>
+        <p:txBody>
+          <a:bodyPr rtlCol="0" anchor="ctr"/>
+          <a:lstStyle/>
+          <a:p>
+            <a:pPr algn="ctr"/>
+            <a:endParaRPr lang="pt-BR">
+              <a:ln w="0"/>
+              <a:solidFill>
+                <a:schemeClr val="tx1"/>
+              </a:solidFill>
+              <a:effectLst>
+                <a:outerShdw blurRad="38100" dist="19050" dir="2700000" algn="tl" rotWithShape="0">
+                  <a:schemeClr val="dk1">
+                    <a:alpha val="40000"/>
+                  </a:schemeClr>
+                </a:outerShdw>
+              </a:effectLst>
+            </a:endParaRPr>
+          </a:p>
+        </p:txBody>
+      </p:sp>
     </p:spTree>
     <p:extLst>
       <p:ext uri="{BB962C8B-B14F-4D97-AF65-F5344CB8AC3E}">
-        <p14:creationId xmlns:p14="http://schemas.microsoft.com/office/powerpoint/2010/main" val="1914042368"/>
+        <p14:creationId xmlns:p14="http://schemas.microsoft.com/office/powerpoint/2010/main" val="341109515"/>
       </p:ext>
     </p:extLst>
   </p:cSld>
@@ -4087,34 +4425,26 @@
       </p:pic>
       <p:pic>
         <p:nvPicPr>
-          <p:cNvPr id="7" name="Imagem 6">
-            <a:extLst>
-              <a:ext uri="{FF2B5EF4-FFF2-40B4-BE49-F238E27FC236}">
-                <a16:creationId xmlns:a16="http://schemas.microsoft.com/office/drawing/2014/main" id="{8CF1B5BF-F80C-4DA1-BABD-9B0C589770CA}"/>
-              </a:ext>
-            </a:extLst>
-          </p:cNvPr>
-          <p:cNvPicPr>
-            <a:picLocks noChangeAspect="1"/>
-          </p:cNvPicPr>
+          <p:cNvPr id="7" name="image23.jpeg">
+            <a:extLst>
+              <a:ext uri="{FF2B5EF4-FFF2-40B4-BE49-F238E27FC236}">
+                <a16:creationId xmlns:a16="http://schemas.microsoft.com/office/drawing/2014/main" id="{9DA005DF-D9C5-4307-9CEC-8665BB0E177E}"/>
+              </a:ext>
+            </a:extLst>
+          </p:cNvPr>
+          <p:cNvPicPr/>
           <p:nvPr/>
         </p:nvPicPr>
         <p:blipFill>
-          <a:blip r:embed="rId3">
-            <a:extLst>
-              <a:ext uri="{28A0092B-C50C-407E-A947-70E740481C1C}">
-                <a14:useLocalDpi xmlns:a14="http://schemas.microsoft.com/office/drawing/2010/main" val="0"/>
-              </a:ext>
-            </a:extLst>
-          </a:blip>
+          <a:blip r:embed="rId3" cstate="print"/>
           <a:stretch>
             <a:fillRect/>
           </a:stretch>
         </p:blipFill>
         <p:spPr>
           <a:xfrm>
-            <a:off x="404252" y="1877254"/>
-            <a:ext cx="4990858" cy="4178989"/>
+            <a:off x="4649283" y="2788044"/>
+            <a:ext cx="3130549" cy="3084195"/>
           </a:xfrm>
           <a:prstGeom prst="rect">
             <a:avLst/>
@@ -4123,10 +4453,10 @@
       </p:pic>
       <p:pic>
         <p:nvPicPr>
-          <p:cNvPr id="9" name="image25.jpeg">
-            <a:extLst>
-              <a:ext uri="{FF2B5EF4-FFF2-40B4-BE49-F238E27FC236}">
-                <a16:creationId xmlns:a16="http://schemas.microsoft.com/office/drawing/2014/main" id="{3C3E87E4-6C40-4B9D-B648-3FEDF9DE0983}"/>
+          <p:cNvPr id="8" name="image24.jpeg">
+            <a:extLst>
+              <a:ext uri="{FF2B5EF4-FFF2-40B4-BE49-F238E27FC236}">
+                <a16:creationId xmlns:a16="http://schemas.microsoft.com/office/drawing/2014/main" id="{02A7AD35-5A93-4DBF-BD1D-B9E049959B61}"/>
               </a:ext>
             </a:extLst>
           </p:cNvPr>
@@ -4141,20 +4471,48 @@
         </p:blipFill>
         <p:spPr>
           <a:xfrm>
-            <a:off x="6699032" y="1877254"/>
-            <a:ext cx="4843611" cy="4178989"/>
+            <a:off x="8598834" y="2788044"/>
+            <a:ext cx="3138805" cy="3023235"/>
           </a:xfrm>
           <a:prstGeom prst="rect">
             <a:avLst/>
           </a:prstGeom>
         </p:spPr>
       </p:pic>
+      <p:pic>
+        <p:nvPicPr>
+          <p:cNvPr id="9" name="image22.jpeg">
+            <a:extLst>
+              <a:ext uri="{FF2B5EF4-FFF2-40B4-BE49-F238E27FC236}">
+                <a16:creationId xmlns:a16="http://schemas.microsoft.com/office/drawing/2014/main" id="{71E332D3-148F-4F4D-94EE-045022EC84BA}"/>
+              </a:ext>
+            </a:extLst>
+          </p:cNvPr>
+          <p:cNvPicPr/>
+          <p:nvPr/>
+        </p:nvPicPr>
+        <p:blipFill>
+          <a:blip r:embed="rId5" cstate="print"/>
+          <a:stretch>
+            <a:fillRect/>
+          </a:stretch>
+        </p:blipFill>
+        <p:spPr>
+          <a:xfrm>
+            <a:off x="463495" y="2788044"/>
+            <a:ext cx="3130549" cy="3084195"/>
+          </a:xfrm>
+          <a:prstGeom prst="rect">
+            <a:avLst/>
+          </a:prstGeom>
+        </p:spPr>
+      </p:pic>
       <p:sp>
         <p:nvSpPr>
           <p:cNvPr id="10" name="Seta: para a Direita 9">
             <a:extLst>
               <a:ext uri="{FF2B5EF4-FFF2-40B4-BE49-F238E27FC236}">
-                <a16:creationId xmlns:a16="http://schemas.microsoft.com/office/drawing/2014/main" id="{C7136494-6AFF-4C2F-BBC1-E01E63D97643}"/>
+                <a16:creationId xmlns:a16="http://schemas.microsoft.com/office/drawing/2014/main" id="{20B6B3C6-4455-41C6-928E-C9F6D9241284}"/>
               </a:ext>
             </a:extLst>
           </p:cNvPr>
@@ -4163,8 +4521,8 @@
         </p:nvSpPr>
         <p:spPr>
           <a:xfrm>
-            <a:off x="5019235" y="567070"/>
-            <a:ext cx="1679797" cy="234687"/>
+            <a:off x="3830281" y="3988899"/>
+            <a:ext cx="582765" cy="283995"/>
           </a:xfrm>
           <a:prstGeom prst="rightArrow">
             <a:avLst/>
@@ -4207,48 +4565,12 @@
           </a:p>
         </p:txBody>
       </p:sp>
-      <p:pic>
-        <p:nvPicPr>
-          <p:cNvPr id="6" name="Imagem 5">
-            <a:extLst>
-              <a:ext uri="{FF2B5EF4-FFF2-40B4-BE49-F238E27FC236}">
-                <a16:creationId xmlns:a16="http://schemas.microsoft.com/office/drawing/2014/main" id="{83C75227-7CE4-42DF-82B2-5C9565B2F359}"/>
-              </a:ext>
-            </a:extLst>
-          </p:cNvPr>
-          <p:cNvPicPr>
-            <a:picLocks noChangeAspect="1"/>
-          </p:cNvPicPr>
-          <p:nvPr/>
-        </p:nvPicPr>
-        <p:blipFill>
-          <a:blip r:embed="rId5">
-            <a:extLst>
-              <a:ext uri="{28A0092B-C50C-407E-A947-70E740481C1C}">
-                <a14:useLocalDpi xmlns:a14="http://schemas.microsoft.com/office/drawing/2010/main" val="0"/>
-              </a:ext>
-            </a:extLst>
-          </a:blip>
-          <a:stretch>
-            <a:fillRect/>
-          </a:stretch>
-        </p:blipFill>
-        <p:spPr>
-          <a:xfrm>
-            <a:off x="1826408" y="193825"/>
-            <a:ext cx="1246383" cy="901551"/>
-          </a:xfrm>
-          <a:prstGeom prst="rect">
-            <a:avLst/>
-          </a:prstGeom>
-        </p:spPr>
-      </p:pic>
-      <p:sp>
-        <p:nvSpPr>
-          <p:cNvPr id="8" name="Seta: para a Direita 7">
-            <a:extLst>
-              <a:ext uri="{FF2B5EF4-FFF2-40B4-BE49-F238E27FC236}">
-                <a16:creationId xmlns:a16="http://schemas.microsoft.com/office/drawing/2014/main" id="{41B45071-C28E-46F0-8B7B-FFA8AD7A17D7}"/>
+      <p:sp>
+        <p:nvSpPr>
+          <p:cNvPr id="11" name="Seta: para a Direita 10">
+            <a:extLst>
+              <a:ext uri="{FF2B5EF4-FFF2-40B4-BE49-F238E27FC236}">
+                <a16:creationId xmlns:a16="http://schemas.microsoft.com/office/drawing/2014/main" id="{8E765FC6-FBBF-48C6-9E03-F6F008D8F77A}"/>
               </a:ext>
             </a:extLst>
           </p:cNvPr>
@@ -4256,8 +4578,8 @@
           <p:nvPr/>
         </p:nvSpPr>
         <p:spPr>
-          <a:xfrm rot="5400000">
-            <a:off x="2158216" y="1354257"/>
+          <a:xfrm>
+            <a:off x="7897950" y="4061122"/>
             <a:ext cx="582765" cy="283995"/>
           </a:xfrm>
           <a:prstGeom prst="rightArrow">
@@ -4301,48 +4623,12 @@
           </a:p>
         </p:txBody>
       </p:sp>
-      <p:pic>
-        <p:nvPicPr>
-          <p:cNvPr id="11" name="Imagem 10">
-            <a:extLst>
-              <a:ext uri="{FF2B5EF4-FFF2-40B4-BE49-F238E27FC236}">
-                <a16:creationId xmlns:a16="http://schemas.microsoft.com/office/drawing/2014/main" id="{18993A16-498A-495C-8A9D-BA385957694E}"/>
-              </a:ext>
-            </a:extLst>
-          </p:cNvPr>
-          <p:cNvPicPr>
-            <a:picLocks noChangeAspect="1"/>
-          </p:cNvPicPr>
-          <p:nvPr/>
-        </p:nvPicPr>
-        <p:blipFill>
-          <a:blip r:embed="rId5">
-            <a:extLst>
-              <a:ext uri="{28A0092B-C50C-407E-A947-70E740481C1C}">
-                <a14:useLocalDpi xmlns:a14="http://schemas.microsoft.com/office/drawing/2010/main" val="0"/>
-              </a:ext>
-            </a:extLst>
-          </a:blip>
-          <a:stretch>
-            <a:fillRect/>
-          </a:stretch>
-        </p:blipFill>
-        <p:spPr>
-          <a:xfrm>
-            <a:off x="8609457" y="141721"/>
-            <a:ext cx="1246383" cy="901551"/>
-          </a:xfrm>
-          <a:prstGeom prst="rect">
-            <a:avLst/>
-          </a:prstGeom>
-        </p:spPr>
-      </p:pic>
-      <p:sp>
-        <p:nvSpPr>
-          <p:cNvPr id="12" name="Seta: para a Direita 11">
-            <a:extLst>
-              <a:ext uri="{FF2B5EF4-FFF2-40B4-BE49-F238E27FC236}">
-                <a16:creationId xmlns:a16="http://schemas.microsoft.com/office/drawing/2014/main" id="{B656F104-DE76-49BD-B115-AE7D91A38900}"/>
+      <p:sp>
+        <p:nvSpPr>
+          <p:cNvPr id="13" name="Seta: para a Direita 12">
+            <a:extLst>
+              <a:ext uri="{FF2B5EF4-FFF2-40B4-BE49-F238E27FC236}">
+                <a16:creationId xmlns:a16="http://schemas.microsoft.com/office/drawing/2014/main" id="{50C45739-B10B-4725-B816-202C6299A2D7}"/>
               </a:ext>
             </a:extLst>
           </p:cNvPr>
@@ -4351,7 +4637,7 @@
         </p:nvSpPr>
         <p:spPr>
           <a:xfrm rot="5400000">
-            <a:off x="8941265" y="1302153"/>
+            <a:off x="1089272" y="2063281"/>
             <a:ext cx="582765" cy="283995"/>
           </a:xfrm>
           <a:prstGeom prst="rightArrow">
@@ -4395,10 +4681,408 @@
           </a:p>
         </p:txBody>
       </p:sp>
+      <p:pic>
+        <p:nvPicPr>
+          <p:cNvPr id="15" name="Imagem 14">
+            <a:extLst>
+              <a:ext uri="{FF2B5EF4-FFF2-40B4-BE49-F238E27FC236}">
+                <a16:creationId xmlns:a16="http://schemas.microsoft.com/office/drawing/2014/main" id="{EC316FFD-3D5B-437B-9003-DEB98BE7C3F4}"/>
+              </a:ext>
+            </a:extLst>
+          </p:cNvPr>
+          <p:cNvPicPr>
+            <a:picLocks noChangeAspect="1"/>
+          </p:cNvPicPr>
+          <p:nvPr/>
+        </p:nvPicPr>
+        <p:blipFill>
+          <a:blip r:embed="rId6">
+            <a:extLst>
+              <a:ext uri="{28A0092B-C50C-407E-A947-70E740481C1C}">
+                <a14:useLocalDpi xmlns:a14="http://schemas.microsoft.com/office/drawing/2010/main" val="0"/>
+              </a:ext>
+            </a:extLst>
+          </a:blip>
+          <a:stretch>
+            <a:fillRect/>
+          </a:stretch>
+        </p:blipFill>
+        <p:spPr>
+          <a:xfrm>
+            <a:off x="875484" y="470993"/>
+            <a:ext cx="1735881" cy="1255621"/>
+          </a:xfrm>
+          <a:prstGeom prst="rect">
+            <a:avLst/>
+          </a:prstGeom>
+        </p:spPr>
+      </p:pic>
+      <p:sp>
+        <p:nvSpPr>
+          <p:cNvPr id="16" name="Seta: para a Direita 15">
+            <a:extLst>
+              <a:ext uri="{FF2B5EF4-FFF2-40B4-BE49-F238E27FC236}">
+                <a16:creationId xmlns:a16="http://schemas.microsoft.com/office/drawing/2014/main" id="{E77B7B5D-64B3-4B2F-9AFF-48772A4D6127}"/>
+              </a:ext>
+            </a:extLst>
+          </p:cNvPr>
+          <p:cNvSpPr/>
+          <p:nvPr/>
+        </p:nvSpPr>
+        <p:spPr>
+          <a:xfrm rot="16200000">
+            <a:off x="1594040" y="2063281"/>
+            <a:ext cx="582765" cy="283995"/>
+          </a:xfrm>
+          <a:prstGeom prst="rightArrow">
+            <a:avLst/>
+          </a:prstGeom>
+        </p:spPr>
+        <p:style>
+          <a:lnRef idx="2">
+            <a:schemeClr val="dk1">
+              <a:shade val="50000"/>
+            </a:schemeClr>
+          </a:lnRef>
+          <a:fillRef idx="1">
+            <a:schemeClr val="dk1"/>
+          </a:fillRef>
+          <a:effectRef idx="0">
+            <a:schemeClr val="dk1"/>
+          </a:effectRef>
+          <a:fontRef idx="minor">
+            <a:schemeClr val="lt1"/>
+          </a:fontRef>
+        </p:style>
+        <p:txBody>
+          <a:bodyPr rtlCol="0" anchor="ctr"/>
+          <a:lstStyle/>
+          <a:p>
+            <a:pPr algn="ctr"/>
+            <a:endParaRPr lang="pt-BR">
+              <a:ln w="0"/>
+              <a:solidFill>
+                <a:schemeClr val="tx1"/>
+              </a:solidFill>
+              <a:effectLst>
+                <a:outerShdw blurRad="38100" dist="19050" dir="2700000" algn="tl" rotWithShape="0">
+                  <a:schemeClr val="dk1">
+                    <a:alpha val="40000"/>
+                  </a:schemeClr>
+                </a:outerShdw>
+              </a:effectLst>
+            </a:endParaRPr>
+          </a:p>
+        </p:txBody>
+      </p:sp>
+      <p:sp>
+        <p:nvSpPr>
+          <p:cNvPr id="17" name="Seta: para a Direita 16">
+            <a:extLst>
+              <a:ext uri="{FF2B5EF4-FFF2-40B4-BE49-F238E27FC236}">
+                <a16:creationId xmlns:a16="http://schemas.microsoft.com/office/drawing/2014/main" id="{695E332E-8040-47DF-95F2-28B9726CE211}"/>
+              </a:ext>
+            </a:extLst>
+          </p:cNvPr>
+          <p:cNvSpPr/>
+          <p:nvPr/>
+        </p:nvSpPr>
+        <p:spPr>
+          <a:xfrm rot="5400000">
+            <a:off x="5556407" y="2042197"/>
+            <a:ext cx="582765" cy="283995"/>
+          </a:xfrm>
+          <a:prstGeom prst="rightArrow">
+            <a:avLst/>
+          </a:prstGeom>
+        </p:spPr>
+        <p:style>
+          <a:lnRef idx="2">
+            <a:schemeClr val="dk1">
+              <a:shade val="50000"/>
+            </a:schemeClr>
+          </a:lnRef>
+          <a:fillRef idx="1">
+            <a:schemeClr val="dk1"/>
+          </a:fillRef>
+          <a:effectRef idx="0">
+            <a:schemeClr val="dk1"/>
+          </a:effectRef>
+          <a:fontRef idx="minor">
+            <a:schemeClr val="lt1"/>
+          </a:fontRef>
+        </p:style>
+        <p:txBody>
+          <a:bodyPr rtlCol="0" anchor="ctr"/>
+          <a:lstStyle/>
+          <a:p>
+            <a:pPr algn="ctr"/>
+            <a:endParaRPr lang="pt-BR">
+              <a:ln w="0"/>
+              <a:solidFill>
+                <a:schemeClr val="tx1"/>
+              </a:solidFill>
+              <a:effectLst>
+                <a:outerShdw blurRad="38100" dist="19050" dir="2700000" algn="tl" rotWithShape="0">
+                  <a:schemeClr val="dk1">
+                    <a:alpha val="40000"/>
+                  </a:schemeClr>
+                </a:outerShdw>
+              </a:effectLst>
+            </a:endParaRPr>
+          </a:p>
+        </p:txBody>
+      </p:sp>
+      <p:sp>
+        <p:nvSpPr>
+          <p:cNvPr id="18" name="Seta: para a Direita 17">
+            <a:extLst>
+              <a:ext uri="{FF2B5EF4-FFF2-40B4-BE49-F238E27FC236}">
+                <a16:creationId xmlns:a16="http://schemas.microsoft.com/office/drawing/2014/main" id="{93395F5A-CE03-457F-BB1B-B75BE3BF4981}"/>
+              </a:ext>
+            </a:extLst>
+          </p:cNvPr>
+          <p:cNvSpPr/>
+          <p:nvPr/>
+        </p:nvSpPr>
+        <p:spPr>
+          <a:xfrm rot="16200000">
+            <a:off x="6061175" y="2042197"/>
+            <a:ext cx="582765" cy="283995"/>
+          </a:xfrm>
+          <a:prstGeom prst="rightArrow">
+            <a:avLst/>
+          </a:prstGeom>
+        </p:spPr>
+        <p:style>
+          <a:lnRef idx="2">
+            <a:schemeClr val="dk1">
+              <a:shade val="50000"/>
+            </a:schemeClr>
+          </a:lnRef>
+          <a:fillRef idx="1">
+            <a:schemeClr val="dk1"/>
+          </a:fillRef>
+          <a:effectRef idx="0">
+            <a:schemeClr val="dk1"/>
+          </a:effectRef>
+          <a:fontRef idx="minor">
+            <a:schemeClr val="lt1"/>
+          </a:fontRef>
+        </p:style>
+        <p:txBody>
+          <a:bodyPr rtlCol="0" anchor="ctr"/>
+          <a:lstStyle/>
+          <a:p>
+            <a:pPr algn="ctr"/>
+            <a:endParaRPr lang="pt-BR">
+              <a:ln w="0"/>
+              <a:solidFill>
+                <a:schemeClr val="tx1"/>
+              </a:solidFill>
+              <a:effectLst>
+                <a:outerShdw blurRad="38100" dist="19050" dir="2700000" algn="tl" rotWithShape="0">
+                  <a:schemeClr val="dk1">
+                    <a:alpha val="40000"/>
+                  </a:schemeClr>
+                </a:outerShdw>
+              </a:effectLst>
+            </a:endParaRPr>
+          </a:p>
+        </p:txBody>
+      </p:sp>
+      <p:sp>
+        <p:nvSpPr>
+          <p:cNvPr id="19" name="Seta: para a Direita 18">
+            <a:extLst>
+              <a:ext uri="{FF2B5EF4-FFF2-40B4-BE49-F238E27FC236}">
+                <a16:creationId xmlns:a16="http://schemas.microsoft.com/office/drawing/2014/main" id="{AF9489E5-BB30-4FC2-B09B-90D5D6401483}"/>
+              </a:ext>
+            </a:extLst>
+          </p:cNvPr>
+          <p:cNvSpPr/>
+          <p:nvPr/>
+        </p:nvSpPr>
+        <p:spPr>
+          <a:xfrm rot="5400000">
+            <a:off x="9794423" y="2063280"/>
+            <a:ext cx="582765" cy="283995"/>
+          </a:xfrm>
+          <a:prstGeom prst="rightArrow">
+            <a:avLst/>
+          </a:prstGeom>
+        </p:spPr>
+        <p:style>
+          <a:lnRef idx="2">
+            <a:schemeClr val="dk1">
+              <a:shade val="50000"/>
+            </a:schemeClr>
+          </a:lnRef>
+          <a:fillRef idx="1">
+            <a:schemeClr val="dk1"/>
+          </a:fillRef>
+          <a:effectRef idx="0">
+            <a:schemeClr val="dk1"/>
+          </a:effectRef>
+          <a:fontRef idx="minor">
+            <a:schemeClr val="lt1"/>
+          </a:fontRef>
+        </p:style>
+        <p:txBody>
+          <a:bodyPr rtlCol="0" anchor="ctr"/>
+          <a:lstStyle/>
+          <a:p>
+            <a:pPr algn="ctr"/>
+            <a:endParaRPr lang="pt-BR">
+              <a:ln w="0"/>
+              <a:solidFill>
+                <a:schemeClr val="tx1"/>
+              </a:solidFill>
+              <a:effectLst>
+                <a:outerShdw blurRad="38100" dist="19050" dir="2700000" algn="tl" rotWithShape="0">
+                  <a:schemeClr val="dk1">
+                    <a:alpha val="40000"/>
+                  </a:schemeClr>
+                </a:outerShdw>
+              </a:effectLst>
+            </a:endParaRPr>
+          </a:p>
+        </p:txBody>
+      </p:sp>
+      <p:sp>
+        <p:nvSpPr>
+          <p:cNvPr id="20" name="Seta: para a Direita 19">
+            <a:extLst>
+              <a:ext uri="{FF2B5EF4-FFF2-40B4-BE49-F238E27FC236}">
+                <a16:creationId xmlns:a16="http://schemas.microsoft.com/office/drawing/2014/main" id="{71A86D55-CC2A-4770-BD43-88D765F17A97}"/>
+              </a:ext>
+            </a:extLst>
+          </p:cNvPr>
+          <p:cNvSpPr/>
+          <p:nvPr/>
+        </p:nvSpPr>
+        <p:spPr>
+          <a:xfrm rot="16200000">
+            <a:off x="10299191" y="2063280"/>
+            <a:ext cx="582765" cy="283995"/>
+          </a:xfrm>
+          <a:prstGeom prst="rightArrow">
+            <a:avLst/>
+          </a:prstGeom>
+        </p:spPr>
+        <p:style>
+          <a:lnRef idx="2">
+            <a:schemeClr val="dk1">
+              <a:shade val="50000"/>
+            </a:schemeClr>
+          </a:lnRef>
+          <a:fillRef idx="1">
+            <a:schemeClr val="dk1"/>
+          </a:fillRef>
+          <a:effectRef idx="0">
+            <a:schemeClr val="dk1"/>
+          </a:effectRef>
+          <a:fontRef idx="minor">
+            <a:schemeClr val="lt1"/>
+          </a:fontRef>
+        </p:style>
+        <p:txBody>
+          <a:bodyPr rtlCol="0" anchor="ctr"/>
+          <a:lstStyle/>
+          <a:p>
+            <a:pPr algn="ctr"/>
+            <a:endParaRPr lang="pt-BR">
+              <a:ln w="0"/>
+              <a:solidFill>
+                <a:schemeClr val="tx1"/>
+              </a:solidFill>
+              <a:effectLst>
+                <a:outerShdw blurRad="38100" dist="19050" dir="2700000" algn="tl" rotWithShape="0">
+                  <a:schemeClr val="dk1">
+                    <a:alpha val="40000"/>
+                  </a:schemeClr>
+                </a:outerShdw>
+              </a:effectLst>
+            </a:endParaRPr>
+          </a:p>
+        </p:txBody>
+      </p:sp>
+      <p:pic>
+        <p:nvPicPr>
+          <p:cNvPr id="21" name="Imagem 20">
+            <a:extLst>
+              <a:ext uri="{FF2B5EF4-FFF2-40B4-BE49-F238E27FC236}">
+                <a16:creationId xmlns:a16="http://schemas.microsoft.com/office/drawing/2014/main" id="{88FF4E21-B925-4B07-9D1D-0370CB5AA7F6}"/>
+              </a:ext>
+            </a:extLst>
+          </p:cNvPr>
+          <p:cNvPicPr>
+            <a:picLocks noChangeAspect="1"/>
+          </p:cNvPicPr>
+          <p:nvPr/>
+        </p:nvPicPr>
+        <p:blipFill>
+          <a:blip r:embed="rId6">
+            <a:extLst>
+              <a:ext uri="{28A0092B-C50C-407E-A947-70E740481C1C}">
+                <a14:useLocalDpi xmlns:a14="http://schemas.microsoft.com/office/drawing/2010/main" val="0"/>
+              </a:ext>
+            </a:extLst>
+          </a:blip>
+          <a:stretch>
+            <a:fillRect/>
+          </a:stretch>
+        </p:blipFill>
+        <p:spPr>
+          <a:xfrm>
+            <a:off x="5228059" y="483119"/>
+            <a:ext cx="1735881" cy="1255621"/>
+          </a:xfrm>
+          <a:prstGeom prst="rect">
+            <a:avLst/>
+          </a:prstGeom>
+        </p:spPr>
+      </p:pic>
+      <p:pic>
+        <p:nvPicPr>
+          <p:cNvPr id="22" name="Imagem 21">
+            <a:extLst>
+              <a:ext uri="{FF2B5EF4-FFF2-40B4-BE49-F238E27FC236}">
+                <a16:creationId xmlns:a16="http://schemas.microsoft.com/office/drawing/2014/main" id="{C174A1D1-C6F3-4447-ABF7-28A6622C7B57}"/>
+              </a:ext>
+            </a:extLst>
+          </p:cNvPr>
+          <p:cNvPicPr>
+            <a:picLocks noChangeAspect="1"/>
+          </p:cNvPicPr>
+          <p:nvPr/>
+        </p:nvPicPr>
+        <p:blipFill>
+          <a:blip r:embed="rId6">
+            <a:extLst>
+              <a:ext uri="{28A0092B-C50C-407E-A947-70E740481C1C}">
+                <a14:useLocalDpi xmlns:a14="http://schemas.microsoft.com/office/drawing/2010/main" val="0"/>
+              </a:ext>
+            </a:extLst>
+          </a:blip>
+          <a:stretch>
+            <a:fillRect/>
+          </a:stretch>
+        </p:blipFill>
+        <p:spPr>
+          <a:xfrm>
+            <a:off x="9474618" y="470993"/>
+            <a:ext cx="1735881" cy="1255621"/>
+          </a:xfrm>
+          <a:prstGeom prst="rect">
+            <a:avLst/>
+          </a:prstGeom>
+        </p:spPr>
+      </p:pic>
     </p:spTree>
     <p:extLst>
       <p:ext uri="{BB962C8B-B14F-4D97-AF65-F5344CB8AC3E}">
-        <p14:creationId xmlns:p14="http://schemas.microsoft.com/office/powerpoint/2010/main" val="341109515"/>
+        <p14:creationId xmlns:p14="http://schemas.microsoft.com/office/powerpoint/2010/main" val="893731797"/>
       </p:ext>
     </p:extLst>
   </p:cSld>
@@ -4453,8 +5137,8 @@
         </p:blipFill>
         <p:spPr>
           <a:xfrm>
-            <a:off x="0" y="0"/>
-            <a:ext cx="12192000" cy="6858000"/>
+            <a:off x="-26506" y="0"/>
+            <a:ext cx="12218505" cy="6858000"/>
           </a:xfrm>
           <a:prstGeom prst="rect">
             <a:avLst/>
@@ -4463,10 +5147,10 @@
       </p:pic>
       <p:pic>
         <p:nvPicPr>
-          <p:cNvPr id="7" name="image23.jpeg">
-            <a:extLst>
-              <a:ext uri="{FF2B5EF4-FFF2-40B4-BE49-F238E27FC236}">
-                <a16:creationId xmlns:a16="http://schemas.microsoft.com/office/drawing/2014/main" id="{9DA005DF-D9C5-4307-9CEC-8665BB0E177E}"/>
+          <p:cNvPr id="4" name="image19.jpeg">
+            <a:extLst>
+              <a:ext uri="{FF2B5EF4-FFF2-40B4-BE49-F238E27FC236}">
+                <a16:creationId xmlns:a16="http://schemas.microsoft.com/office/drawing/2014/main" id="{E225056D-35DE-4475-8731-451279904139}"/>
               </a:ext>
             </a:extLst>
           </p:cNvPr>
@@ -4481,8 +5165,8 @@
         </p:blipFill>
         <p:spPr>
           <a:xfrm>
-            <a:off x="4649283" y="2788044"/>
-            <a:ext cx="3130549" cy="3084195"/>
+            <a:off x="1414917" y="1605168"/>
+            <a:ext cx="3806439" cy="3614531"/>
           </a:xfrm>
           <a:prstGeom prst="rect">
             <a:avLst/>
@@ -4491,10 +5175,10 @@
       </p:pic>
       <p:pic>
         <p:nvPicPr>
-          <p:cNvPr id="8" name="image24.jpeg">
-            <a:extLst>
-              <a:ext uri="{FF2B5EF4-FFF2-40B4-BE49-F238E27FC236}">
-                <a16:creationId xmlns:a16="http://schemas.microsoft.com/office/drawing/2014/main" id="{02A7AD35-5A93-4DBF-BD1D-B9E049959B61}"/>
+          <p:cNvPr id="6" name="image20.jpeg">
+            <a:extLst>
+              <a:ext uri="{FF2B5EF4-FFF2-40B4-BE49-F238E27FC236}">
+                <a16:creationId xmlns:a16="http://schemas.microsoft.com/office/drawing/2014/main" id="{010A62DD-4619-40F6-AFAE-7D1F1264F0FB}"/>
               </a:ext>
             </a:extLst>
           </p:cNvPr>
@@ -4509,608 +5193,8 @@
         </p:blipFill>
         <p:spPr>
           <a:xfrm>
-            <a:off x="8598834" y="2788044"/>
-            <a:ext cx="3138805" cy="3023235"/>
-          </a:xfrm>
-          <a:prstGeom prst="rect">
-            <a:avLst/>
-          </a:prstGeom>
-        </p:spPr>
-      </p:pic>
-      <p:pic>
-        <p:nvPicPr>
-          <p:cNvPr id="9" name="image22.jpeg">
-            <a:extLst>
-              <a:ext uri="{FF2B5EF4-FFF2-40B4-BE49-F238E27FC236}">
-                <a16:creationId xmlns:a16="http://schemas.microsoft.com/office/drawing/2014/main" id="{71E332D3-148F-4F4D-94EE-045022EC84BA}"/>
-              </a:ext>
-            </a:extLst>
-          </p:cNvPr>
-          <p:cNvPicPr/>
-          <p:nvPr/>
-        </p:nvPicPr>
-        <p:blipFill>
-          <a:blip r:embed="rId5" cstate="print"/>
-          <a:stretch>
-            <a:fillRect/>
-          </a:stretch>
-        </p:blipFill>
-        <p:spPr>
-          <a:xfrm>
-            <a:off x="463495" y="2788044"/>
-            <a:ext cx="3130549" cy="3084195"/>
-          </a:xfrm>
-          <a:prstGeom prst="rect">
-            <a:avLst/>
-          </a:prstGeom>
-        </p:spPr>
-      </p:pic>
-      <p:sp>
-        <p:nvSpPr>
-          <p:cNvPr id="10" name="Seta: para a Direita 9">
-            <a:extLst>
-              <a:ext uri="{FF2B5EF4-FFF2-40B4-BE49-F238E27FC236}">
-                <a16:creationId xmlns:a16="http://schemas.microsoft.com/office/drawing/2014/main" id="{20B6B3C6-4455-41C6-928E-C9F6D9241284}"/>
-              </a:ext>
-            </a:extLst>
-          </p:cNvPr>
-          <p:cNvSpPr/>
-          <p:nvPr/>
-        </p:nvSpPr>
-        <p:spPr>
-          <a:xfrm>
-            <a:off x="3830281" y="3988899"/>
-            <a:ext cx="582765" cy="283995"/>
-          </a:xfrm>
-          <a:prstGeom prst="rightArrow">
-            <a:avLst/>
-          </a:prstGeom>
-        </p:spPr>
-        <p:style>
-          <a:lnRef idx="2">
-            <a:schemeClr val="dk1">
-              <a:shade val="50000"/>
-            </a:schemeClr>
-          </a:lnRef>
-          <a:fillRef idx="1">
-            <a:schemeClr val="dk1"/>
-          </a:fillRef>
-          <a:effectRef idx="0">
-            <a:schemeClr val="dk1"/>
-          </a:effectRef>
-          <a:fontRef idx="minor">
-            <a:schemeClr val="lt1"/>
-          </a:fontRef>
-        </p:style>
-        <p:txBody>
-          <a:bodyPr rtlCol="0" anchor="ctr"/>
-          <a:lstStyle/>
-          <a:p>
-            <a:pPr algn="ctr"/>
-            <a:endParaRPr lang="pt-BR">
-              <a:ln w="0"/>
-              <a:solidFill>
-                <a:schemeClr val="tx1"/>
-              </a:solidFill>
-              <a:effectLst>
-                <a:outerShdw blurRad="38100" dist="19050" dir="2700000" algn="tl" rotWithShape="0">
-                  <a:schemeClr val="dk1">
-                    <a:alpha val="40000"/>
-                  </a:schemeClr>
-                </a:outerShdw>
-              </a:effectLst>
-            </a:endParaRPr>
-          </a:p>
-        </p:txBody>
-      </p:sp>
-      <p:sp>
-        <p:nvSpPr>
-          <p:cNvPr id="11" name="Seta: para a Direita 10">
-            <a:extLst>
-              <a:ext uri="{FF2B5EF4-FFF2-40B4-BE49-F238E27FC236}">
-                <a16:creationId xmlns:a16="http://schemas.microsoft.com/office/drawing/2014/main" id="{8E765FC6-FBBF-48C6-9E03-F6F008D8F77A}"/>
-              </a:ext>
-            </a:extLst>
-          </p:cNvPr>
-          <p:cNvSpPr/>
-          <p:nvPr/>
-        </p:nvSpPr>
-        <p:spPr>
-          <a:xfrm>
-            <a:off x="7897950" y="4061122"/>
-            <a:ext cx="582765" cy="283995"/>
-          </a:xfrm>
-          <a:prstGeom prst="rightArrow">
-            <a:avLst/>
-          </a:prstGeom>
-        </p:spPr>
-        <p:style>
-          <a:lnRef idx="2">
-            <a:schemeClr val="dk1">
-              <a:shade val="50000"/>
-            </a:schemeClr>
-          </a:lnRef>
-          <a:fillRef idx="1">
-            <a:schemeClr val="dk1"/>
-          </a:fillRef>
-          <a:effectRef idx="0">
-            <a:schemeClr val="dk1"/>
-          </a:effectRef>
-          <a:fontRef idx="minor">
-            <a:schemeClr val="lt1"/>
-          </a:fontRef>
-        </p:style>
-        <p:txBody>
-          <a:bodyPr rtlCol="0" anchor="ctr"/>
-          <a:lstStyle/>
-          <a:p>
-            <a:pPr algn="ctr"/>
-            <a:endParaRPr lang="pt-BR">
-              <a:ln w="0"/>
-              <a:solidFill>
-                <a:schemeClr val="tx1"/>
-              </a:solidFill>
-              <a:effectLst>
-                <a:outerShdw blurRad="38100" dist="19050" dir="2700000" algn="tl" rotWithShape="0">
-                  <a:schemeClr val="dk1">
-                    <a:alpha val="40000"/>
-                  </a:schemeClr>
-                </a:outerShdw>
-              </a:effectLst>
-            </a:endParaRPr>
-          </a:p>
-        </p:txBody>
-      </p:sp>
-      <p:sp>
-        <p:nvSpPr>
-          <p:cNvPr id="13" name="Seta: para a Direita 12">
-            <a:extLst>
-              <a:ext uri="{FF2B5EF4-FFF2-40B4-BE49-F238E27FC236}">
-                <a16:creationId xmlns:a16="http://schemas.microsoft.com/office/drawing/2014/main" id="{50C45739-B10B-4725-B816-202C6299A2D7}"/>
-              </a:ext>
-            </a:extLst>
-          </p:cNvPr>
-          <p:cNvSpPr/>
-          <p:nvPr/>
-        </p:nvSpPr>
-        <p:spPr>
-          <a:xfrm rot="5400000">
-            <a:off x="1089272" y="2063281"/>
-            <a:ext cx="582765" cy="283995"/>
-          </a:xfrm>
-          <a:prstGeom prst="rightArrow">
-            <a:avLst/>
-          </a:prstGeom>
-        </p:spPr>
-        <p:style>
-          <a:lnRef idx="2">
-            <a:schemeClr val="dk1">
-              <a:shade val="50000"/>
-            </a:schemeClr>
-          </a:lnRef>
-          <a:fillRef idx="1">
-            <a:schemeClr val="dk1"/>
-          </a:fillRef>
-          <a:effectRef idx="0">
-            <a:schemeClr val="dk1"/>
-          </a:effectRef>
-          <a:fontRef idx="minor">
-            <a:schemeClr val="lt1"/>
-          </a:fontRef>
-        </p:style>
-        <p:txBody>
-          <a:bodyPr rtlCol="0" anchor="ctr"/>
-          <a:lstStyle/>
-          <a:p>
-            <a:pPr algn="ctr"/>
-            <a:endParaRPr lang="pt-BR">
-              <a:ln w="0"/>
-              <a:solidFill>
-                <a:schemeClr val="tx1"/>
-              </a:solidFill>
-              <a:effectLst>
-                <a:outerShdw blurRad="38100" dist="19050" dir="2700000" algn="tl" rotWithShape="0">
-                  <a:schemeClr val="dk1">
-                    <a:alpha val="40000"/>
-                  </a:schemeClr>
-                </a:outerShdw>
-              </a:effectLst>
-            </a:endParaRPr>
-          </a:p>
-        </p:txBody>
-      </p:sp>
-      <p:pic>
-        <p:nvPicPr>
-          <p:cNvPr id="15" name="Imagem 14">
-            <a:extLst>
-              <a:ext uri="{FF2B5EF4-FFF2-40B4-BE49-F238E27FC236}">
-                <a16:creationId xmlns:a16="http://schemas.microsoft.com/office/drawing/2014/main" id="{EC316FFD-3D5B-437B-9003-DEB98BE7C3F4}"/>
-              </a:ext>
-            </a:extLst>
-          </p:cNvPr>
-          <p:cNvPicPr>
-            <a:picLocks noChangeAspect="1"/>
-          </p:cNvPicPr>
-          <p:nvPr/>
-        </p:nvPicPr>
-        <p:blipFill>
-          <a:blip r:embed="rId6">
-            <a:extLst>
-              <a:ext uri="{28A0092B-C50C-407E-A947-70E740481C1C}">
-                <a14:useLocalDpi xmlns:a14="http://schemas.microsoft.com/office/drawing/2010/main" val="0"/>
-              </a:ext>
-            </a:extLst>
-          </a:blip>
-          <a:stretch>
-            <a:fillRect/>
-          </a:stretch>
-        </p:blipFill>
-        <p:spPr>
-          <a:xfrm>
-            <a:off x="654711" y="481536"/>
-            <a:ext cx="1735881" cy="1255621"/>
-          </a:xfrm>
-          <a:prstGeom prst="rect">
-            <a:avLst/>
-          </a:prstGeom>
-        </p:spPr>
-      </p:pic>
-      <p:sp>
-        <p:nvSpPr>
-          <p:cNvPr id="16" name="Seta: para a Direita 15">
-            <a:extLst>
-              <a:ext uri="{FF2B5EF4-FFF2-40B4-BE49-F238E27FC236}">
-                <a16:creationId xmlns:a16="http://schemas.microsoft.com/office/drawing/2014/main" id="{E77B7B5D-64B3-4B2F-9AFF-48772A4D6127}"/>
-              </a:ext>
-            </a:extLst>
-          </p:cNvPr>
-          <p:cNvSpPr/>
-          <p:nvPr/>
-        </p:nvSpPr>
-        <p:spPr>
-          <a:xfrm rot="16200000">
-            <a:off x="1594040" y="2063281"/>
-            <a:ext cx="582765" cy="283995"/>
-          </a:xfrm>
-          <a:prstGeom prst="rightArrow">
-            <a:avLst/>
-          </a:prstGeom>
-        </p:spPr>
-        <p:style>
-          <a:lnRef idx="2">
-            <a:schemeClr val="dk1">
-              <a:shade val="50000"/>
-            </a:schemeClr>
-          </a:lnRef>
-          <a:fillRef idx="1">
-            <a:schemeClr val="dk1"/>
-          </a:fillRef>
-          <a:effectRef idx="0">
-            <a:schemeClr val="dk1"/>
-          </a:effectRef>
-          <a:fontRef idx="minor">
-            <a:schemeClr val="lt1"/>
-          </a:fontRef>
-        </p:style>
-        <p:txBody>
-          <a:bodyPr rtlCol="0" anchor="ctr"/>
-          <a:lstStyle/>
-          <a:p>
-            <a:pPr algn="ctr"/>
-            <a:endParaRPr lang="pt-BR">
-              <a:ln w="0"/>
-              <a:solidFill>
-                <a:schemeClr val="tx1"/>
-              </a:solidFill>
-              <a:effectLst>
-                <a:outerShdw blurRad="38100" dist="19050" dir="2700000" algn="tl" rotWithShape="0">
-                  <a:schemeClr val="dk1">
-                    <a:alpha val="40000"/>
-                  </a:schemeClr>
-                </a:outerShdw>
-              </a:effectLst>
-            </a:endParaRPr>
-          </a:p>
-        </p:txBody>
-      </p:sp>
-      <p:sp>
-        <p:nvSpPr>
-          <p:cNvPr id="17" name="Seta: para a Direita 16">
-            <a:extLst>
-              <a:ext uri="{FF2B5EF4-FFF2-40B4-BE49-F238E27FC236}">
-                <a16:creationId xmlns:a16="http://schemas.microsoft.com/office/drawing/2014/main" id="{695E332E-8040-47DF-95F2-28B9726CE211}"/>
-              </a:ext>
-            </a:extLst>
-          </p:cNvPr>
-          <p:cNvSpPr/>
-          <p:nvPr/>
-        </p:nvSpPr>
-        <p:spPr>
-          <a:xfrm rot="5400000">
-            <a:off x="5556407" y="2042197"/>
-            <a:ext cx="582765" cy="283995"/>
-          </a:xfrm>
-          <a:prstGeom prst="rightArrow">
-            <a:avLst/>
-          </a:prstGeom>
-        </p:spPr>
-        <p:style>
-          <a:lnRef idx="2">
-            <a:schemeClr val="dk1">
-              <a:shade val="50000"/>
-            </a:schemeClr>
-          </a:lnRef>
-          <a:fillRef idx="1">
-            <a:schemeClr val="dk1"/>
-          </a:fillRef>
-          <a:effectRef idx="0">
-            <a:schemeClr val="dk1"/>
-          </a:effectRef>
-          <a:fontRef idx="minor">
-            <a:schemeClr val="lt1"/>
-          </a:fontRef>
-        </p:style>
-        <p:txBody>
-          <a:bodyPr rtlCol="0" anchor="ctr"/>
-          <a:lstStyle/>
-          <a:p>
-            <a:pPr algn="ctr"/>
-            <a:endParaRPr lang="pt-BR">
-              <a:ln w="0"/>
-              <a:solidFill>
-                <a:schemeClr val="tx1"/>
-              </a:solidFill>
-              <a:effectLst>
-                <a:outerShdw blurRad="38100" dist="19050" dir="2700000" algn="tl" rotWithShape="0">
-                  <a:schemeClr val="dk1">
-                    <a:alpha val="40000"/>
-                  </a:schemeClr>
-                </a:outerShdw>
-              </a:effectLst>
-            </a:endParaRPr>
-          </a:p>
-        </p:txBody>
-      </p:sp>
-      <p:sp>
-        <p:nvSpPr>
-          <p:cNvPr id="18" name="Seta: para a Direita 17">
-            <a:extLst>
-              <a:ext uri="{FF2B5EF4-FFF2-40B4-BE49-F238E27FC236}">
-                <a16:creationId xmlns:a16="http://schemas.microsoft.com/office/drawing/2014/main" id="{93395F5A-CE03-457F-BB1B-B75BE3BF4981}"/>
-              </a:ext>
-            </a:extLst>
-          </p:cNvPr>
-          <p:cNvSpPr/>
-          <p:nvPr/>
-        </p:nvSpPr>
-        <p:spPr>
-          <a:xfrm rot="16200000">
-            <a:off x="6061175" y="2042197"/>
-            <a:ext cx="582765" cy="283995"/>
-          </a:xfrm>
-          <a:prstGeom prst="rightArrow">
-            <a:avLst/>
-          </a:prstGeom>
-        </p:spPr>
-        <p:style>
-          <a:lnRef idx="2">
-            <a:schemeClr val="dk1">
-              <a:shade val="50000"/>
-            </a:schemeClr>
-          </a:lnRef>
-          <a:fillRef idx="1">
-            <a:schemeClr val="dk1"/>
-          </a:fillRef>
-          <a:effectRef idx="0">
-            <a:schemeClr val="dk1"/>
-          </a:effectRef>
-          <a:fontRef idx="minor">
-            <a:schemeClr val="lt1"/>
-          </a:fontRef>
-        </p:style>
-        <p:txBody>
-          <a:bodyPr rtlCol="0" anchor="ctr"/>
-          <a:lstStyle/>
-          <a:p>
-            <a:pPr algn="ctr"/>
-            <a:endParaRPr lang="pt-BR">
-              <a:ln w="0"/>
-              <a:solidFill>
-                <a:schemeClr val="tx1"/>
-              </a:solidFill>
-              <a:effectLst>
-                <a:outerShdw blurRad="38100" dist="19050" dir="2700000" algn="tl" rotWithShape="0">
-                  <a:schemeClr val="dk1">
-                    <a:alpha val="40000"/>
-                  </a:schemeClr>
-                </a:outerShdw>
-              </a:effectLst>
-            </a:endParaRPr>
-          </a:p>
-        </p:txBody>
-      </p:sp>
-      <p:sp>
-        <p:nvSpPr>
-          <p:cNvPr id="19" name="Seta: para a Direita 18">
-            <a:extLst>
-              <a:ext uri="{FF2B5EF4-FFF2-40B4-BE49-F238E27FC236}">
-                <a16:creationId xmlns:a16="http://schemas.microsoft.com/office/drawing/2014/main" id="{AF9489E5-BB30-4FC2-B09B-90D5D6401483}"/>
-              </a:ext>
-            </a:extLst>
-          </p:cNvPr>
-          <p:cNvSpPr/>
-          <p:nvPr/>
-        </p:nvSpPr>
-        <p:spPr>
-          <a:xfrm rot="5400000">
-            <a:off x="9794423" y="2063280"/>
-            <a:ext cx="582765" cy="283995"/>
-          </a:xfrm>
-          <a:prstGeom prst="rightArrow">
-            <a:avLst/>
-          </a:prstGeom>
-        </p:spPr>
-        <p:style>
-          <a:lnRef idx="2">
-            <a:schemeClr val="dk1">
-              <a:shade val="50000"/>
-            </a:schemeClr>
-          </a:lnRef>
-          <a:fillRef idx="1">
-            <a:schemeClr val="dk1"/>
-          </a:fillRef>
-          <a:effectRef idx="0">
-            <a:schemeClr val="dk1"/>
-          </a:effectRef>
-          <a:fontRef idx="minor">
-            <a:schemeClr val="lt1"/>
-          </a:fontRef>
-        </p:style>
-        <p:txBody>
-          <a:bodyPr rtlCol="0" anchor="ctr"/>
-          <a:lstStyle/>
-          <a:p>
-            <a:pPr algn="ctr"/>
-            <a:endParaRPr lang="pt-BR">
-              <a:ln w="0"/>
-              <a:solidFill>
-                <a:schemeClr val="tx1"/>
-              </a:solidFill>
-              <a:effectLst>
-                <a:outerShdw blurRad="38100" dist="19050" dir="2700000" algn="tl" rotWithShape="0">
-                  <a:schemeClr val="dk1">
-                    <a:alpha val="40000"/>
-                  </a:schemeClr>
-                </a:outerShdw>
-              </a:effectLst>
-            </a:endParaRPr>
-          </a:p>
-        </p:txBody>
-      </p:sp>
-      <p:sp>
-        <p:nvSpPr>
-          <p:cNvPr id="20" name="Seta: para a Direita 19">
-            <a:extLst>
-              <a:ext uri="{FF2B5EF4-FFF2-40B4-BE49-F238E27FC236}">
-                <a16:creationId xmlns:a16="http://schemas.microsoft.com/office/drawing/2014/main" id="{71A86D55-CC2A-4770-BD43-88D765F17A97}"/>
-              </a:ext>
-            </a:extLst>
-          </p:cNvPr>
-          <p:cNvSpPr/>
-          <p:nvPr/>
-        </p:nvSpPr>
-        <p:spPr>
-          <a:xfrm rot="16200000">
-            <a:off x="10299191" y="2063280"/>
-            <a:ext cx="582765" cy="283995"/>
-          </a:xfrm>
-          <a:prstGeom prst="rightArrow">
-            <a:avLst/>
-          </a:prstGeom>
-        </p:spPr>
-        <p:style>
-          <a:lnRef idx="2">
-            <a:schemeClr val="dk1">
-              <a:shade val="50000"/>
-            </a:schemeClr>
-          </a:lnRef>
-          <a:fillRef idx="1">
-            <a:schemeClr val="dk1"/>
-          </a:fillRef>
-          <a:effectRef idx="0">
-            <a:schemeClr val="dk1"/>
-          </a:effectRef>
-          <a:fontRef idx="minor">
-            <a:schemeClr val="lt1"/>
-          </a:fontRef>
-        </p:style>
-        <p:txBody>
-          <a:bodyPr rtlCol="0" anchor="ctr"/>
-          <a:lstStyle/>
-          <a:p>
-            <a:pPr algn="ctr"/>
-            <a:endParaRPr lang="pt-BR">
-              <a:ln w="0"/>
-              <a:solidFill>
-                <a:schemeClr val="tx1"/>
-              </a:solidFill>
-              <a:effectLst>
-                <a:outerShdw blurRad="38100" dist="19050" dir="2700000" algn="tl" rotWithShape="0">
-                  <a:schemeClr val="dk1">
-                    <a:alpha val="40000"/>
-                  </a:schemeClr>
-                </a:outerShdw>
-              </a:effectLst>
-            </a:endParaRPr>
-          </a:p>
-        </p:txBody>
-      </p:sp>
-      <p:pic>
-        <p:nvPicPr>
-          <p:cNvPr id="21" name="Imagem 20">
-            <a:extLst>
-              <a:ext uri="{FF2B5EF4-FFF2-40B4-BE49-F238E27FC236}">
-                <a16:creationId xmlns:a16="http://schemas.microsoft.com/office/drawing/2014/main" id="{88FF4E21-B925-4B07-9D1D-0370CB5AA7F6}"/>
-              </a:ext>
-            </a:extLst>
-          </p:cNvPr>
-          <p:cNvPicPr>
-            <a:picLocks noChangeAspect="1"/>
-          </p:cNvPicPr>
-          <p:nvPr/>
-        </p:nvPicPr>
-        <p:blipFill>
-          <a:blip r:embed="rId6">
-            <a:extLst>
-              <a:ext uri="{28A0092B-C50C-407E-A947-70E740481C1C}">
-                <a14:useLocalDpi xmlns:a14="http://schemas.microsoft.com/office/drawing/2010/main" val="0"/>
-              </a:ext>
-            </a:extLst>
-          </a:blip>
-          <a:stretch>
-            <a:fillRect/>
-          </a:stretch>
-        </p:blipFill>
-        <p:spPr>
-          <a:xfrm>
-            <a:off x="5228059" y="470994"/>
-            <a:ext cx="1735881" cy="1255621"/>
-          </a:xfrm>
-          <a:prstGeom prst="rect">
-            <a:avLst/>
-          </a:prstGeom>
-        </p:spPr>
-      </p:pic>
-      <p:pic>
-        <p:nvPicPr>
-          <p:cNvPr id="22" name="Imagem 21">
-            <a:extLst>
-              <a:ext uri="{FF2B5EF4-FFF2-40B4-BE49-F238E27FC236}">
-                <a16:creationId xmlns:a16="http://schemas.microsoft.com/office/drawing/2014/main" id="{C174A1D1-C6F3-4447-ABF7-28A6622C7B57}"/>
-              </a:ext>
-            </a:extLst>
-          </p:cNvPr>
-          <p:cNvPicPr>
-            <a:picLocks noChangeAspect="1"/>
-          </p:cNvPicPr>
-          <p:nvPr/>
-        </p:nvPicPr>
-        <p:blipFill>
-          <a:blip r:embed="rId6">
-            <a:extLst>
-              <a:ext uri="{28A0092B-C50C-407E-A947-70E740481C1C}">
-                <a14:useLocalDpi xmlns:a14="http://schemas.microsoft.com/office/drawing/2010/main" val="0"/>
-              </a:ext>
-            </a:extLst>
-          </a:blip>
-          <a:stretch>
-            <a:fillRect/>
-          </a:stretch>
-        </p:blipFill>
-        <p:spPr>
-          <a:xfrm>
-            <a:off x="9580635" y="512582"/>
-            <a:ext cx="1735881" cy="1255621"/>
+            <a:off x="6676030" y="1621734"/>
+            <a:ext cx="3564835" cy="3614531"/>
           </a:xfrm>
           <a:prstGeom prst="rect">
             <a:avLst/>
@@ -5120,7 +5204,7 @@
     </p:spTree>
     <p:extLst>
       <p:ext uri="{BB962C8B-B14F-4D97-AF65-F5344CB8AC3E}">
-        <p14:creationId xmlns:p14="http://schemas.microsoft.com/office/powerpoint/2010/main" val="893731797"/>
+        <p14:creationId xmlns:p14="http://schemas.microsoft.com/office/powerpoint/2010/main" val="2637371287"/>
       </p:ext>
     </p:extLst>
   </p:cSld>
@@ -5203,7 +5287,7 @@
         </p:blipFill>
         <p:spPr>
           <a:xfrm>
-            <a:off x="7066857" y="1555616"/>
+            <a:off x="7093361" y="1732689"/>
             <a:ext cx="3415613" cy="3392622"/>
           </a:xfrm>
           <a:prstGeom prst="rect">
@@ -5239,7 +5323,7 @@
         </p:blipFill>
         <p:spPr>
           <a:xfrm>
-            <a:off x="1234218" y="1555615"/>
+            <a:off x="1419748" y="1732689"/>
             <a:ext cx="3233094" cy="3392622"/>
           </a:xfrm>
           <a:prstGeom prst="rect">
@@ -5305,128 +5389,6 @@
         </p:blipFill>
         <p:spPr>
           <a:xfrm>
-            <a:off x="-26506" y="0"/>
-            <a:ext cx="12218505" cy="6858000"/>
-          </a:xfrm>
-          <a:prstGeom prst="rect">
-            <a:avLst/>
-          </a:prstGeom>
-        </p:spPr>
-      </p:pic>
-      <p:pic>
-        <p:nvPicPr>
-          <p:cNvPr id="4" name="image19.jpeg">
-            <a:extLst>
-              <a:ext uri="{FF2B5EF4-FFF2-40B4-BE49-F238E27FC236}">
-                <a16:creationId xmlns:a16="http://schemas.microsoft.com/office/drawing/2014/main" id="{E225056D-35DE-4475-8731-451279904139}"/>
-              </a:ext>
-            </a:extLst>
-          </p:cNvPr>
-          <p:cNvPicPr/>
-          <p:nvPr/>
-        </p:nvPicPr>
-        <p:blipFill>
-          <a:blip r:embed="rId3" cstate="print"/>
-          <a:stretch>
-            <a:fillRect/>
-          </a:stretch>
-        </p:blipFill>
-        <p:spPr>
-          <a:xfrm>
-            <a:off x="1414917" y="1605168"/>
-            <a:ext cx="3806439" cy="3614531"/>
-          </a:xfrm>
-          <a:prstGeom prst="rect">
-            <a:avLst/>
-          </a:prstGeom>
-        </p:spPr>
-      </p:pic>
-      <p:pic>
-        <p:nvPicPr>
-          <p:cNvPr id="6" name="image20.jpeg">
-            <a:extLst>
-              <a:ext uri="{FF2B5EF4-FFF2-40B4-BE49-F238E27FC236}">
-                <a16:creationId xmlns:a16="http://schemas.microsoft.com/office/drawing/2014/main" id="{010A62DD-4619-40F6-AFAE-7D1F1264F0FB}"/>
-              </a:ext>
-            </a:extLst>
-          </p:cNvPr>
-          <p:cNvPicPr/>
-          <p:nvPr/>
-        </p:nvPicPr>
-        <p:blipFill>
-          <a:blip r:embed="rId4" cstate="print"/>
-          <a:stretch>
-            <a:fillRect/>
-          </a:stretch>
-        </p:blipFill>
-        <p:spPr>
-          <a:xfrm>
-            <a:off x="6676030" y="1621734"/>
-            <a:ext cx="3564835" cy="3614531"/>
-          </a:xfrm>
-          <a:prstGeom prst="rect">
-            <a:avLst/>
-          </a:prstGeom>
-        </p:spPr>
-      </p:pic>
-    </p:spTree>
-    <p:extLst>
-      <p:ext uri="{BB962C8B-B14F-4D97-AF65-F5344CB8AC3E}">
-        <p14:creationId xmlns:p14="http://schemas.microsoft.com/office/powerpoint/2010/main" val="2637371287"/>
-      </p:ext>
-    </p:extLst>
-  </p:cSld>
-  <p:clrMapOvr>
-    <a:masterClrMapping/>
-  </p:clrMapOvr>
-</p:sld>
-</file>
-
-<file path=ppt/slides/slide17.xml><?xml version="1.0" encoding="utf-8"?>
-<p:sld xmlns:a="http://schemas.openxmlformats.org/drawingml/2006/main" xmlns:r="http://schemas.openxmlformats.org/officeDocument/2006/relationships" xmlns:p="http://schemas.openxmlformats.org/presentationml/2006/main">
-  <p:cSld>
-    <p:spTree>
-      <p:nvGrpSpPr>
-        <p:cNvPr id="1" name=""/>
-        <p:cNvGrpSpPr/>
-        <p:nvPr/>
-      </p:nvGrpSpPr>
-      <p:grpSpPr>
-        <a:xfrm>
-          <a:off x="0" y="0"/>
-          <a:ext cx="0" cy="0"/>
-          <a:chOff x="0" y="0"/>
-          <a:chExt cx="0" cy="0"/>
-        </a:xfrm>
-      </p:grpSpPr>
-      <p:pic>
-        <p:nvPicPr>
-          <p:cNvPr id="5" name="Imagem 4">
-            <a:extLst>
-              <a:ext uri="{FF2B5EF4-FFF2-40B4-BE49-F238E27FC236}">
-                <a16:creationId xmlns:a16="http://schemas.microsoft.com/office/drawing/2014/main" id="{0C325453-A9E2-4934-B905-328FDD99C4F6}"/>
-              </a:ext>
-            </a:extLst>
-          </p:cNvPr>
-          <p:cNvPicPr>
-            <a:picLocks noChangeAspect="1"/>
-          </p:cNvPicPr>
-          <p:nvPr/>
-        </p:nvPicPr>
-        <p:blipFill>
-          <a:blip r:embed="rId2">
-            <a:extLst>
-              <a:ext uri="{28A0092B-C50C-407E-A947-70E740481C1C}">
-                <a14:useLocalDpi xmlns:a14="http://schemas.microsoft.com/office/drawing/2010/main" val="0"/>
-              </a:ext>
-            </a:extLst>
-          </a:blip>
-          <a:stretch>
-            <a:fillRect/>
-          </a:stretch>
-        </p:blipFill>
-        <p:spPr>
-          <a:xfrm>
             <a:off x="0" y="0"/>
             <a:ext cx="12192000" cy="6858000"/>
           </a:xfrm>
@@ -5574,7 +5536,7 @@
                 <a:latin typeface="Arial" panose="020B0604020202020204" pitchFamily="34" charset="0"/>
                 <a:cs typeface="Arial" panose="020B0604020202020204" pitchFamily="34" charset="0"/>
               </a:rPr>
-              <a:t>SISTEMA SIMPLE DE LOGISTICA INTERNA</a:t>
+              <a:t>SISTEMA SIMPLE LINHA DE PRODUÇÃO</a:t>
             </a:r>
           </a:p>
           <a:p>
@@ -5584,7 +5546,7 @@
                 <a:latin typeface="Arial" panose="020B0604020202020204" pitchFamily="34" charset="0"/>
                 <a:cs typeface="Arial" panose="020B0604020202020204" pitchFamily="34" charset="0"/>
               </a:rPr>
-              <a:t>COM UTILIZAÇÃO DO </a:t>
+              <a:t>COM </a:t>
             </a:r>
             <a:r>
               <a:rPr lang="pt-BR" sz="4400" b="1" dirty="0">
@@ -5726,8 +5688,8 @@
         </p:nvSpPr>
         <p:spPr>
           <a:xfrm>
-            <a:off x="0" y="994221"/>
-            <a:ext cx="12192000" cy="1323439"/>
+            <a:off x="0" y="596655"/>
+            <a:ext cx="11907078" cy="707886"/>
           </a:xfrm>
           <a:prstGeom prst="rect">
             <a:avLst/>
@@ -5746,15 +5708,15 @@
                 <a:latin typeface="Arial" panose="020B0604020202020204" pitchFamily="34" charset="0"/>
                 <a:cs typeface="Arial" panose="020B0604020202020204" pitchFamily="34" charset="0"/>
               </a:rPr>
-              <a:t>INTEGRAÇÃO DO RFID NA LINHA DE PRODUÇÃO</a:t>
-            </a:r>
-          </a:p>
-          <a:p>
-            <a:pPr algn="ctr"/>
-            <a:endParaRPr lang="pt-BR" sz="4000" dirty="0">
-              <a:latin typeface="Arial" panose="020B0604020202020204" pitchFamily="34" charset="0"/>
-              <a:cs typeface="Arial" panose="020B0604020202020204" pitchFamily="34" charset="0"/>
-            </a:endParaRPr>
+              <a:t>SOBRE A TECNOLOGIA </a:t>
+            </a:r>
+            <a:r>
+              <a:rPr lang="pt-BR" sz="4000" b="1" dirty="0">
+                <a:latin typeface="Arial" panose="020B0604020202020204" pitchFamily="34" charset="0"/>
+                <a:cs typeface="Arial" panose="020B0604020202020204" pitchFamily="34" charset="0"/>
+              </a:rPr>
+              <a:t>RFID</a:t>
+            </a:r>
           </a:p>
         </p:txBody>
       </p:sp>
@@ -5772,8 +5734,8 @@
         </p:nvSpPr>
         <p:spPr>
           <a:xfrm>
-            <a:off x="0" y="3043451"/>
-            <a:ext cx="12192000" cy="2246769"/>
+            <a:off x="284921" y="2044005"/>
+            <a:ext cx="11622157" cy="1384995"/>
           </a:xfrm>
           <a:prstGeom prst="rect">
             <a:avLst/>
@@ -5799,21 +5761,60 @@
                 <a:latin typeface="Arial" panose="020B0604020202020204" pitchFamily="34" charset="0"/>
                 <a:cs typeface="Arial" panose="020B0604020202020204" pitchFamily="34" charset="0"/>
               </a:rPr>
-              <a:t> -  </a:t>
+              <a:t>(</a:t>
             </a:r>
             <a:r>
               <a:rPr lang="pt-BR" sz="2800" b="1" dirty="0">
                 <a:latin typeface="Arial" panose="020B0604020202020204" pitchFamily="34" charset="0"/>
                 <a:cs typeface="Arial" panose="020B0604020202020204" pitchFamily="34" charset="0"/>
               </a:rPr>
-              <a:t>INDENTIFICAÇÃO POR RADIO FREQUÊNCIA </a:t>
+              <a:t>INDENTIFICAÇÃO POR RADIO FREQUÊNCIA)</a:t>
             </a:r>
             <a:r>
               <a:rPr lang="pt-BR" sz="2800" dirty="0">
                 <a:latin typeface="Arial" panose="020B0604020202020204" pitchFamily="34" charset="0"/>
                 <a:cs typeface="Arial" panose="020B0604020202020204" pitchFamily="34" charset="0"/>
               </a:rPr>
-              <a:t>,É UMA TECNOLOGIA JÁ UTILIZADA EM GRANDES MERCADOS ALGUMAS LOJAS E ARMAZENS, HOJE EM DIA SENDO UTILIZADA EM ALGUMAS INDUSTRIAS PARA RASTREAR OS PRODUTOS NA LINHA DE PRODUÇÃO.</a:t>
+              <a:t>É UMA TECNOLOGIA ANTIGA QUE APARECEU NO SECULO XIX COM O AVANÇO DO ESTUDO SOBRE ELETROMAGNETISMO.</a:t>
+            </a:r>
+          </a:p>
+        </p:txBody>
+      </p:sp>
+      <p:sp>
+        <p:nvSpPr>
+          <p:cNvPr id="3" name="CaixaDeTexto 2">
+            <a:extLst>
+              <a:ext uri="{FF2B5EF4-FFF2-40B4-BE49-F238E27FC236}">
+                <a16:creationId xmlns:a16="http://schemas.microsoft.com/office/drawing/2014/main" id="{4B31282C-27F5-41E9-A016-06AA6B01F5B3}"/>
+              </a:ext>
+            </a:extLst>
+          </p:cNvPr>
+          <p:cNvSpPr txBox="1"/>
+          <p:nvPr/>
+        </p:nvSpPr>
+        <p:spPr>
+          <a:xfrm>
+            <a:off x="927651" y="3758504"/>
+            <a:ext cx="10336696" cy="1384995"/>
+          </a:xfrm>
+          <a:prstGeom prst="rect">
+            <a:avLst/>
+          </a:prstGeom>
+          <a:noFill/>
+        </p:spPr>
+        <p:txBody>
+          <a:bodyPr wrap="square" rtlCol="0">
+            <a:spAutoFit/>
+          </a:bodyPr>
+          <a:lstStyle/>
+          <a:p>
+            <a:pPr algn="ctr"/>
+            <a:r>
+              <a:rPr lang="pt-BR" sz="2800" dirty="0">
+                <a:latin typeface="Arial" panose="020B0604020202020204" pitchFamily="34" charset="0"/>
+                <a:cs typeface="Arial" panose="020B0604020202020204" pitchFamily="34" charset="0"/>
+              </a:rPr>
+              <a:t>HOJE ESTA SENDO MUITO UTILIZADA EM MERCADOS AUTONOMOS, LINHA DE PRODUÇÃO DE INDRUSTRIAS, ARMAZENAGEM DENTRE OUTRAS UTILIDADES</a:t>
             </a:r>
           </a:p>
         </p:txBody>
@@ -5889,7 +5890,7 @@
           <p:cNvPr id="2" name="CaixaDeTexto 1">
             <a:extLst>
               <a:ext uri="{FF2B5EF4-FFF2-40B4-BE49-F238E27FC236}">
-                <a16:creationId xmlns:a16="http://schemas.microsoft.com/office/drawing/2014/main" id="{EE3BA530-958E-4B96-9FD0-0F04CB711843}"/>
+                <a16:creationId xmlns:a16="http://schemas.microsoft.com/office/drawing/2014/main" id="{B9EDD381-E4E6-458C-9F29-941E7FEF83B3}"/>
               </a:ext>
             </a:extLst>
           </p:cNvPr>
@@ -5898,8 +5899,8 @@
         </p:nvSpPr>
         <p:spPr>
           <a:xfrm>
-            <a:off x="1212572" y="768628"/>
-            <a:ext cx="9766853" cy="553998"/>
+            <a:off x="0" y="590843"/>
+            <a:ext cx="12192000" cy="1077218"/>
           </a:xfrm>
           <a:prstGeom prst="rect">
             <a:avLst/>
@@ -5914,64 +5915,78 @@
           <a:p>
             <a:pPr algn="ctr"/>
             <a:r>
-              <a:rPr lang="pt-BR" sz="3000" dirty="0">
+              <a:rPr lang="pt-BR" sz="3200" dirty="0">
                 <a:latin typeface="Arial" panose="020B0604020202020204" pitchFamily="34" charset="0"/>
                 <a:cs typeface="Arial" panose="020B0604020202020204" pitchFamily="34" charset="0"/>
               </a:rPr>
-              <a:t>UTILIZAÇÃO DO </a:t>
-            </a:r>
-            <a:r>
-              <a:rPr lang="pt-BR" sz="3000" b="1" dirty="0">
+              <a:t>EXISTEM  ALGUNS TIPOS DE ETIQUETAS DE RFID SEPARADO EM DUAS CLASSES DIFERETES:</a:t>
+            </a:r>
+          </a:p>
+        </p:txBody>
+      </p:sp>
+      <p:sp>
+        <p:nvSpPr>
+          <p:cNvPr id="3" name="CaixaDeTexto 2">
+            <a:extLst>
+              <a:ext uri="{FF2B5EF4-FFF2-40B4-BE49-F238E27FC236}">
+                <a16:creationId xmlns:a16="http://schemas.microsoft.com/office/drawing/2014/main" id="{FA637F78-20C0-459B-B06B-C2BB75EC53E5}"/>
+              </a:ext>
+            </a:extLst>
+          </p:cNvPr>
+          <p:cNvSpPr txBox="1"/>
+          <p:nvPr/>
+        </p:nvSpPr>
+        <p:spPr>
+          <a:xfrm>
+            <a:off x="622852" y="2258904"/>
+            <a:ext cx="11264348" cy="3970318"/>
+          </a:xfrm>
+          <a:prstGeom prst="rect">
+            <a:avLst/>
+          </a:prstGeom>
+          <a:noFill/>
+        </p:spPr>
+        <p:txBody>
+          <a:bodyPr wrap="square" rtlCol="0">
+            <a:spAutoFit/>
+          </a:bodyPr>
+          <a:lstStyle/>
+          <a:p>
+            <a:r>
+              <a:rPr lang="pt-BR" sz="2800" b="1" dirty="0">
                 <a:latin typeface="Arial" panose="020B0604020202020204" pitchFamily="34" charset="0"/>
                 <a:cs typeface="Arial" panose="020B0604020202020204" pitchFamily="34" charset="0"/>
               </a:rPr>
-              <a:t>RFID</a:t>
-            </a:r>
-            <a:r>
-              <a:rPr lang="pt-BR" sz="3000" dirty="0">
+              <a:t>AS PASSIVAS</a:t>
+            </a:r>
+            <a:r>
+              <a:rPr lang="pt-BR" sz="2800" dirty="0">
                 <a:latin typeface="Arial" panose="020B0604020202020204" pitchFamily="34" charset="0"/>
                 <a:cs typeface="Arial" panose="020B0604020202020204" pitchFamily="34" charset="0"/>
               </a:rPr>
-              <a:t> NA LINHA DE PRODUÇÃO</a:t>
-            </a:r>
-          </a:p>
-        </p:txBody>
-      </p:sp>
-      <p:sp>
-        <p:nvSpPr>
-          <p:cNvPr id="3" name="CaixaDeTexto 2">
-            <a:extLst>
-              <a:ext uri="{FF2B5EF4-FFF2-40B4-BE49-F238E27FC236}">
-                <a16:creationId xmlns:a16="http://schemas.microsoft.com/office/drawing/2014/main" id="{4FE9EE6B-3119-4160-B863-7D83F88A91C0}"/>
-              </a:ext>
-            </a:extLst>
-          </p:cNvPr>
-          <p:cNvSpPr txBox="1"/>
-          <p:nvPr/>
-        </p:nvSpPr>
-        <p:spPr>
-          <a:xfrm>
-            <a:off x="0" y="2955235"/>
-            <a:ext cx="12191999" cy="1477328"/>
-          </a:xfrm>
-          <a:prstGeom prst="rect">
-            <a:avLst/>
-          </a:prstGeom>
-          <a:noFill/>
-        </p:spPr>
-        <p:txBody>
-          <a:bodyPr wrap="square" rtlCol="0">
-            <a:spAutoFit/>
-          </a:bodyPr>
-          <a:lstStyle/>
-          <a:p>
-            <a:pPr algn="ctr"/>
-            <a:r>
-              <a:rPr lang="pt-BR" sz="3000" dirty="0">
+              <a:t> – QUE RECEBEM ENERGIA DO LEITOR PARA EFETUAR A VERIFICAÇÃO DOS DADOS QUE JÁ ESTÁ GUARDADA NAS  ETIQUETAS, POREM EXISTE ALGUMAS QUE PODEM SER REGRAVADAS QUE SÃO CONSIDERADAS SEMI-PASSIVAS.</a:t>
+            </a:r>
+          </a:p>
+          <a:p>
+            <a:endParaRPr lang="pt-BR" sz="2800" dirty="0">
+              <a:latin typeface="Arial" panose="020B0604020202020204" pitchFamily="34" charset="0"/>
+              <a:cs typeface="Arial" panose="020B0604020202020204" pitchFamily="34" charset="0"/>
+            </a:endParaRPr>
+          </a:p>
+          <a:p>
+            <a:r>
+              <a:rPr lang="pt-BR" sz="2800" b="1" dirty="0">
                 <a:latin typeface="Arial" panose="020B0604020202020204" pitchFamily="34" charset="0"/>
                 <a:cs typeface="Arial" panose="020B0604020202020204" pitchFamily="34" charset="0"/>
               </a:rPr>
-              <a:t>VOCE PODE UTILIZAR O RFID PARA RASTREA OS OBJETOS NA LINHA, DETECTAR FALHAS, AUTOMAÇÃO  DE PROCESSOS, OTIMIZAÇÃO DA CADEIA LOGISTICA E INTEGRAÇÃO DE DADOS.</a:t>
+              <a:t>AS ATIVAS </a:t>
+            </a:r>
+            <a:r>
+              <a:rPr lang="pt-BR" sz="2800" dirty="0">
+                <a:latin typeface="Arial" panose="020B0604020202020204" pitchFamily="34" charset="0"/>
+                <a:cs typeface="Arial" panose="020B0604020202020204" pitchFamily="34" charset="0"/>
+              </a:rPr>
+              <a:t>– QUE JÁ TEM UMA FONTE DE ENERGIA INTERNA, TEM UM RAIO MAIOR PARA A LEITURA DOS DADOS, ÉMAIS RESISTENTES A HAMBIENTES HOSTIS.</a:t>
             </a:r>
           </a:p>
         </p:txBody>
@@ -5979,7 +5994,7 @@
     </p:spTree>
     <p:extLst>
       <p:ext uri="{BB962C8B-B14F-4D97-AF65-F5344CB8AC3E}">
-        <p14:creationId xmlns:p14="http://schemas.microsoft.com/office/powerpoint/2010/main" val="160491705"/>
+        <p14:creationId xmlns:p14="http://schemas.microsoft.com/office/powerpoint/2010/main" val="3088068224"/>
       </p:ext>
     </p:extLst>
   </p:cSld>
@@ -6042,12 +6057,48 @@
           </a:prstGeom>
         </p:spPr>
       </p:pic>
-      <p:sp>
-        <p:nvSpPr>
-          <p:cNvPr id="2" name="CaixaDeTexto 1">
-            <a:extLst>
-              <a:ext uri="{FF2B5EF4-FFF2-40B4-BE49-F238E27FC236}">
-                <a16:creationId xmlns:a16="http://schemas.microsoft.com/office/drawing/2014/main" id="{B9EDD381-E4E6-458C-9F29-941E7FEF83B3}"/>
+      <p:pic>
+        <p:nvPicPr>
+          <p:cNvPr id="3" name="Imagem 2">
+            <a:extLst>
+              <a:ext uri="{FF2B5EF4-FFF2-40B4-BE49-F238E27FC236}">
+                <a16:creationId xmlns:a16="http://schemas.microsoft.com/office/drawing/2014/main" id="{F46F9097-45F1-4FFC-B833-36A230374D6D}"/>
+              </a:ext>
+            </a:extLst>
+          </p:cNvPr>
+          <p:cNvPicPr>
+            <a:picLocks noChangeAspect="1"/>
+          </p:cNvPicPr>
+          <p:nvPr/>
+        </p:nvPicPr>
+        <p:blipFill>
+          <a:blip r:embed="rId3">
+            <a:extLst>
+              <a:ext uri="{28A0092B-C50C-407E-A947-70E740481C1C}">
+                <a14:useLocalDpi xmlns:a14="http://schemas.microsoft.com/office/drawing/2010/main" val="0"/>
+              </a:ext>
+            </a:extLst>
+          </a:blip>
+          <a:stretch>
+            <a:fillRect/>
+          </a:stretch>
+        </p:blipFill>
+        <p:spPr>
+          <a:xfrm>
+            <a:off x="2703444" y="1380403"/>
+            <a:ext cx="6221895" cy="5176109"/>
+          </a:xfrm>
+          <a:prstGeom prst="rect">
+            <a:avLst/>
+          </a:prstGeom>
+        </p:spPr>
+      </p:pic>
+      <p:sp>
+        <p:nvSpPr>
+          <p:cNvPr id="4" name="CaixaDeTexto 3">
+            <a:extLst>
+              <a:ext uri="{FF2B5EF4-FFF2-40B4-BE49-F238E27FC236}">
+                <a16:creationId xmlns:a16="http://schemas.microsoft.com/office/drawing/2014/main" id="{05CF8AE8-4ECA-435E-90A6-015C611C0F2A}"/>
               </a:ext>
             </a:extLst>
           </p:cNvPr>
@@ -6056,8 +6107,8 @@
         </p:nvSpPr>
         <p:spPr>
           <a:xfrm>
-            <a:off x="0" y="590843"/>
-            <a:ext cx="12192000" cy="1077218"/>
+            <a:off x="2398643" y="503583"/>
+            <a:ext cx="6586331" cy="830997"/>
           </a:xfrm>
           <a:prstGeom prst="rect">
             <a:avLst/>
@@ -6072,78 +6123,11 @@
           <a:p>
             <a:pPr algn="ctr"/>
             <a:r>
-              <a:rPr lang="pt-BR" sz="3200" dirty="0">
+              <a:rPr lang="pt-BR" sz="2400" dirty="0">
                 <a:latin typeface="Arial" panose="020B0604020202020204" pitchFamily="34" charset="0"/>
                 <a:cs typeface="Arial" panose="020B0604020202020204" pitchFamily="34" charset="0"/>
               </a:rPr>
-              <a:t>EXISTEM  ALGUNS TIPOS DE ETIQUETAS DE RFID SEPARADO EM DUAS CLASSES DIFERETES:</a:t>
-            </a:r>
-          </a:p>
-        </p:txBody>
-      </p:sp>
-      <p:sp>
-        <p:nvSpPr>
-          <p:cNvPr id="3" name="CaixaDeTexto 2">
-            <a:extLst>
-              <a:ext uri="{FF2B5EF4-FFF2-40B4-BE49-F238E27FC236}">
-                <a16:creationId xmlns:a16="http://schemas.microsoft.com/office/drawing/2014/main" id="{FA637F78-20C0-459B-B06B-C2BB75EC53E5}"/>
-              </a:ext>
-            </a:extLst>
-          </p:cNvPr>
-          <p:cNvSpPr txBox="1"/>
-          <p:nvPr/>
-        </p:nvSpPr>
-        <p:spPr>
-          <a:xfrm>
-            <a:off x="0" y="2493315"/>
-            <a:ext cx="12192000" cy="3539430"/>
-          </a:xfrm>
-          <a:prstGeom prst="rect">
-            <a:avLst/>
-          </a:prstGeom>
-          <a:noFill/>
-        </p:spPr>
-        <p:txBody>
-          <a:bodyPr wrap="square" rtlCol="0">
-            <a:spAutoFit/>
-          </a:bodyPr>
-          <a:lstStyle/>
-          <a:p>
-            <a:r>
-              <a:rPr lang="pt-BR" sz="2800" b="1" dirty="0">
-                <a:latin typeface="Arial" panose="020B0604020202020204" pitchFamily="34" charset="0"/>
-                <a:cs typeface="Arial" panose="020B0604020202020204" pitchFamily="34" charset="0"/>
-              </a:rPr>
-              <a:t>AS PASSIVAS</a:t>
-            </a:r>
-            <a:r>
-              <a:rPr lang="pt-BR" sz="2800" dirty="0">
-                <a:latin typeface="Arial" panose="020B0604020202020204" pitchFamily="34" charset="0"/>
-                <a:cs typeface="Arial" panose="020B0604020202020204" pitchFamily="34" charset="0"/>
-              </a:rPr>
-              <a:t> – QUE RECEBEM ENERGIA DO LEITOR PARA EFETUAR A VERIFICAÇÃO DOS DADOS QUE JÁ ESTÁ GUARDADA NAS  ETIQUETAS, POREM EXISTE ALGUMAS QUE PODEM SER REGRAVADAS QUE SÃO CONSIDERADAS SEMI-PASSIVAS.</a:t>
-            </a:r>
-          </a:p>
-          <a:p>
-            <a:endParaRPr lang="pt-BR" sz="2800" dirty="0">
-              <a:latin typeface="Arial" panose="020B0604020202020204" pitchFamily="34" charset="0"/>
-              <a:cs typeface="Arial" panose="020B0604020202020204" pitchFamily="34" charset="0"/>
-            </a:endParaRPr>
-          </a:p>
-          <a:p>
-            <a:r>
-              <a:rPr lang="pt-BR" sz="2800" b="1" dirty="0">
-                <a:latin typeface="Arial" panose="020B0604020202020204" pitchFamily="34" charset="0"/>
-                <a:cs typeface="Arial" panose="020B0604020202020204" pitchFamily="34" charset="0"/>
-              </a:rPr>
-              <a:t>AS ATIVAS </a:t>
-            </a:r>
-            <a:r>
-              <a:rPr lang="pt-BR" sz="2800" dirty="0">
-                <a:latin typeface="Arial" panose="020B0604020202020204" pitchFamily="34" charset="0"/>
-                <a:cs typeface="Arial" panose="020B0604020202020204" pitchFamily="34" charset="0"/>
-              </a:rPr>
-              <a:t>– QUE JÁ TEM UMA FONTE DE ENERGIA INTERNA, TEM UM RAIO MAIOR PARA A LEITURA DOS DADOS, ÉMAIS RESISTENTES A HAMBIENTES HOSTIS.</a:t>
+              <a:t>EXEMPLO DE CONSTRUÇÃO TAG RFID PASSIVA E ATIVA</a:t>
             </a:r>
           </a:p>
         </p:txBody>
@@ -6151,7 +6135,7 @@
     </p:spTree>
     <p:extLst>
       <p:ext uri="{BB962C8B-B14F-4D97-AF65-F5344CB8AC3E}">
-        <p14:creationId xmlns:p14="http://schemas.microsoft.com/office/powerpoint/2010/main" val="3088068224"/>
+        <p14:creationId xmlns:p14="http://schemas.microsoft.com/office/powerpoint/2010/main" val="2380986724"/>
       </p:ext>
     </p:extLst>
   </p:cSld>
@@ -6219,7 +6203,7 @@
           <p:cNvPr id="3" name="Imagem 2">
             <a:extLst>
               <a:ext uri="{FF2B5EF4-FFF2-40B4-BE49-F238E27FC236}">
-                <a16:creationId xmlns:a16="http://schemas.microsoft.com/office/drawing/2014/main" id="{F46F9097-45F1-4FFC-B833-36A230374D6D}"/>
+                <a16:creationId xmlns:a16="http://schemas.microsoft.com/office/drawing/2014/main" id="{E3D771D5-3F64-4A6D-9C3B-B2C8DD9D54E1}"/>
               </a:ext>
             </a:extLst>
           </p:cNvPr>
@@ -6242,20 +6226,56 @@
         </p:blipFill>
         <p:spPr>
           <a:xfrm>
-            <a:off x="2703444" y="1380403"/>
-            <a:ext cx="6221895" cy="5176109"/>
+            <a:off x="7435298" y="1945552"/>
+            <a:ext cx="3810000" cy="3810000"/>
           </a:xfrm>
           <a:prstGeom prst="rect">
             <a:avLst/>
           </a:prstGeom>
         </p:spPr>
       </p:pic>
-      <p:sp>
-        <p:nvSpPr>
-          <p:cNvPr id="4" name="CaixaDeTexto 3">
-            <a:extLst>
-              <a:ext uri="{FF2B5EF4-FFF2-40B4-BE49-F238E27FC236}">
-                <a16:creationId xmlns:a16="http://schemas.microsoft.com/office/drawing/2014/main" id="{05CF8AE8-4ECA-435E-90A6-015C611C0F2A}"/>
+      <p:pic>
+        <p:nvPicPr>
+          <p:cNvPr id="6" name="Imagem 5">
+            <a:extLst>
+              <a:ext uri="{FF2B5EF4-FFF2-40B4-BE49-F238E27FC236}">
+                <a16:creationId xmlns:a16="http://schemas.microsoft.com/office/drawing/2014/main" id="{C486553C-6A16-43D7-8801-A06D79EBBC06}"/>
+              </a:ext>
+            </a:extLst>
+          </p:cNvPr>
+          <p:cNvPicPr>
+            <a:picLocks noChangeAspect="1"/>
+          </p:cNvPicPr>
+          <p:nvPr/>
+        </p:nvPicPr>
+        <p:blipFill>
+          <a:blip r:embed="rId4">
+            <a:extLst>
+              <a:ext uri="{28A0092B-C50C-407E-A947-70E740481C1C}">
+                <a14:useLocalDpi xmlns:a14="http://schemas.microsoft.com/office/drawing/2010/main" val="0"/>
+              </a:ext>
+            </a:extLst>
+          </a:blip>
+          <a:stretch>
+            <a:fillRect/>
+          </a:stretch>
+        </p:blipFill>
+        <p:spPr>
+          <a:xfrm>
+            <a:off x="946702" y="2261086"/>
+            <a:ext cx="3678305" cy="3178932"/>
+          </a:xfrm>
+          <a:prstGeom prst="rect">
+            <a:avLst/>
+          </a:prstGeom>
+        </p:spPr>
+      </p:pic>
+      <p:sp>
+        <p:nvSpPr>
+          <p:cNvPr id="7" name="CaixaDeTexto 6">
+            <a:extLst>
+              <a:ext uri="{FF2B5EF4-FFF2-40B4-BE49-F238E27FC236}">
+                <a16:creationId xmlns:a16="http://schemas.microsoft.com/office/drawing/2014/main" id="{7D6D962B-24EA-434A-B00D-50843277BB56}"/>
               </a:ext>
             </a:extLst>
           </p:cNvPr>
@@ -6264,8 +6284,8 @@
         </p:nvSpPr>
         <p:spPr>
           <a:xfrm>
-            <a:off x="2398643" y="503583"/>
-            <a:ext cx="6586331" cy="830997"/>
+            <a:off x="310598" y="1140983"/>
+            <a:ext cx="5149298" cy="553998"/>
           </a:xfrm>
           <a:prstGeom prst="rect">
             <a:avLst/>
@@ -6280,11 +6300,50 @@
           <a:p>
             <a:pPr algn="ctr"/>
             <a:r>
-              <a:rPr lang="pt-BR" sz="2400" dirty="0">
+              <a:rPr lang="pt-BR" sz="3000" dirty="0">
                 <a:latin typeface="Arial" panose="020B0604020202020204" pitchFamily="34" charset="0"/>
                 <a:cs typeface="Arial" panose="020B0604020202020204" pitchFamily="34" charset="0"/>
               </a:rPr>
-              <a:t>EXEMPLO DE CONSTRUÇÃO TAG RFID PASSIVA E ATIVA</a:t>
+              <a:t>ANTENA LEITORA DE RFID</a:t>
+            </a:r>
+          </a:p>
+        </p:txBody>
+      </p:sp>
+      <p:sp>
+        <p:nvSpPr>
+          <p:cNvPr id="8" name="CaixaDeTexto 7">
+            <a:extLst>
+              <a:ext uri="{FF2B5EF4-FFF2-40B4-BE49-F238E27FC236}">
+                <a16:creationId xmlns:a16="http://schemas.microsoft.com/office/drawing/2014/main" id="{ACEE4EA5-D496-4654-981C-6D1764B65869}"/>
+              </a:ext>
+            </a:extLst>
+          </p:cNvPr>
+          <p:cNvSpPr txBox="1"/>
+          <p:nvPr/>
+        </p:nvSpPr>
+        <p:spPr>
+          <a:xfrm>
+            <a:off x="6361043" y="843104"/>
+            <a:ext cx="5830957" cy="954107"/>
+          </a:xfrm>
+          <a:prstGeom prst="rect">
+            <a:avLst/>
+          </a:prstGeom>
+          <a:noFill/>
+        </p:spPr>
+        <p:txBody>
+          <a:bodyPr wrap="square" rtlCol="0">
+            <a:spAutoFit/>
+          </a:bodyPr>
+          <a:lstStyle/>
+          <a:p>
+            <a:pPr algn="ctr"/>
+            <a:r>
+              <a:rPr lang="pt-BR" sz="2800" dirty="0">
+                <a:latin typeface="Arial" panose="020B0604020202020204" pitchFamily="34" charset="0"/>
+                <a:cs typeface="Arial" panose="020B0604020202020204" pitchFamily="34" charset="0"/>
+              </a:rPr>
+              <a:t>LEITOR MANUAL DE RFID PASSIVOS E ATIVOS</a:t>
             </a:r>
           </a:p>
         </p:txBody>
@@ -6292,7 +6351,7 @@
     </p:spTree>
     <p:extLst>
       <p:ext uri="{BB962C8B-B14F-4D97-AF65-F5344CB8AC3E}">
-        <p14:creationId xmlns:p14="http://schemas.microsoft.com/office/powerpoint/2010/main" val="2380986724"/>
+        <p14:creationId xmlns:p14="http://schemas.microsoft.com/office/powerpoint/2010/main" val="411043396"/>
       </p:ext>
     </p:extLst>
   </p:cSld>
@@ -6360,7 +6419,7 @@
           <p:cNvPr id="3" name="Imagem 2">
             <a:extLst>
               <a:ext uri="{FF2B5EF4-FFF2-40B4-BE49-F238E27FC236}">
-                <a16:creationId xmlns:a16="http://schemas.microsoft.com/office/drawing/2014/main" id="{E3D771D5-3F64-4A6D-9C3B-B2C8DD9D54E1}"/>
+                <a16:creationId xmlns:a16="http://schemas.microsoft.com/office/drawing/2014/main" id="{AEE0A06B-0C29-4215-AAC8-68B516E4D6D7}"/>
               </a:ext>
             </a:extLst>
           </p:cNvPr>
@@ -6383,56 +6442,20 @@
         </p:blipFill>
         <p:spPr>
           <a:xfrm>
-            <a:off x="7435298" y="1945552"/>
-            <a:ext cx="3810000" cy="3810000"/>
+            <a:off x="1864299" y="1969477"/>
+            <a:ext cx="8463401" cy="4389120"/>
           </a:xfrm>
           <a:prstGeom prst="rect">
             <a:avLst/>
           </a:prstGeom>
         </p:spPr>
       </p:pic>
-      <p:pic>
-        <p:nvPicPr>
-          <p:cNvPr id="6" name="Imagem 5">
-            <a:extLst>
-              <a:ext uri="{FF2B5EF4-FFF2-40B4-BE49-F238E27FC236}">
-                <a16:creationId xmlns:a16="http://schemas.microsoft.com/office/drawing/2014/main" id="{C486553C-6A16-43D7-8801-A06D79EBBC06}"/>
-              </a:ext>
-            </a:extLst>
-          </p:cNvPr>
-          <p:cNvPicPr>
-            <a:picLocks noChangeAspect="1"/>
-          </p:cNvPicPr>
-          <p:nvPr/>
-        </p:nvPicPr>
-        <p:blipFill>
-          <a:blip r:embed="rId4">
-            <a:extLst>
-              <a:ext uri="{28A0092B-C50C-407E-A947-70E740481C1C}">
-                <a14:useLocalDpi xmlns:a14="http://schemas.microsoft.com/office/drawing/2010/main" val="0"/>
-              </a:ext>
-            </a:extLst>
-          </a:blip>
-          <a:stretch>
-            <a:fillRect/>
-          </a:stretch>
-        </p:blipFill>
-        <p:spPr>
-          <a:xfrm>
-            <a:off x="946702" y="2261086"/>
-            <a:ext cx="3678305" cy="3178932"/>
-          </a:xfrm>
-          <a:prstGeom prst="rect">
-            <a:avLst/>
-          </a:prstGeom>
-        </p:spPr>
-      </p:pic>
-      <p:sp>
-        <p:nvSpPr>
-          <p:cNvPr id="7" name="CaixaDeTexto 6">
-            <a:extLst>
-              <a:ext uri="{FF2B5EF4-FFF2-40B4-BE49-F238E27FC236}">
-                <a16:creationId xmlns:a16="http://schemas.microsoft.com/office/drawing/2014/main" id="{7D6D962B-24EA-434A-B00D-50843277BB56}"/>
+      <p:sp>
+        <p:nvSpPr>
+          <p:cNvPr id="4" name="CaixaDeTexto 3">
+            <a:extLst>
+              <a:ext uri="{FF2B5EF4-FFF2-40B4-BE49-F238E27FC236}">
+                <a16:creationId xmlns:a16="http://schemas.microsoft.com/office/drawing/2014/main" id="{7912B44A-3B8A-4F75-92FD-D754EE788C7A}"/>
               </a:ext>
             </a:extLst>
           </p:cNvPr>
@@ -6441,8 +6464,8 @@
         </p:nvSpPr>
         <p:spPr>
           <a:xfrm>
-            <a:off x="310598" y="1140983"/>
-            <a:ext cx="5149298" cy="553998"/>
+            <a:off x="1615439" y="639077"/>
+            <a:ext cx="8961120" cy="830997"/>
           </a:xfrm>
           <a:prstGeom prst="rect">
             <a:avLst/>
@@ -6455,52 +6478,12 @@
           </a:bodyPr>
           <a:lstStyle/>
           <a:p>
-            <a:pPr algn="ctr"/>
-            <a:r>
-              <a:rPr lang="pt-BR" sz="3000" dirty="0">
+            <a:r>
+              <a:rPr lang="pt-BR" sz="4800" dirty="0">
                 <a:latin typeface="Arial" panose="020B0604020202020204" pitchFamily="34" charset="0"/>
                 <a:cs typeface="Arial" panose="020B0604020202020204" pitchFamily="34" charset="0"/>
               </a:rPr>
-              <a:t>ANTENA LEITORA DE RFID</a:t>
-            </a:r>
-          </a:p>
-        </p:txBody>
-      </p:sp>
-      <p:sp>
-        <p:nvSpPr>
-          <p:cNvPr id="8" name="CaixaDeTexto 7">
-            <a:extLst>
-              <a:ext uri="{FF2B5EF4-FFF2-40B4-BE49-F238E27FC236}">
-                <a16:creationId xmlns:a16="http://schemas.microsoft.com/office/drawing/2014/main" id="{ACEE4EA5-D496-4654-981C-6D1764B65869}"/>
-              </a:ext>
-            </a:extLst>
-          </p:cNvPr>
-          <p:cNvSpPr txBox="1"/>
-          <p:nvPr/>
-        </p:nvSpPr>
-        <p:spPr>
-          <a:xfrm>
-            <a:off x="6361043" y="843104"/>
-            <a:ext cx="5830957" cy="954107"/>
-          </a:xfrm>
-          <a:prstGeom prst="rect">
-            <a:avLst/>
-          </a:prstGeom>
-          <a:noFill/>
-        </p:spPr>
-        <p:txBody>
-          <a:bodyPr wrap="square" rtlCol="0">
-            <a:spAutoFit/>
-          </a:bodyPr>
-          <a:lstStyle/>
-          <a:p>
-            <a:pPr algn="ctr"/>
-            <a:r>
-              <a:rPr lang="pt-BR" sz="2800" dirty="0">
-                <a:latin typeface="Arial" panose="020B0604020202020204" pitchFamily="34" charset="0"/>
-                <a:cs typeface="Arial" panose="020B0604020202020204" pitchFamily="34" charset="0"/>
-              </a:rPr>
-              <a:t>LEITOR MANUAL DE RFID PASSIVOS E ATIVOS</a:t>
+              <a:t>EXEMPLOS DE USO DO RFID</a:t>
             </a:r>
           </a:p>
         </p:txBody>
@@ -6508,7 +6491,7 @@
     </p:spTree>
     <p:extLst>
       <p:ext uri="{BB962C8B-B14F-4D97-AF65-F5344CB8AC3E}">
-        <p14:creationId xmlns:p14="http://schemas.microsoft.com/office/powerpoint/2010/main" val="411043396"/>
+        <p14:creationId xmlns:p14="http://schemas.microsoft.com/office/powerpoint/2010/main" val="21401433"/>
       </p:ext>
     </p:extLst>
   </p:cSld>
@@ -6571,48 +6554,12 @@
           </a:prstGeom>
         </p:spPr>
       </p:pic>
-      <p:pic>
-        <p:nvPicPr>
-          <p:cNvPr id="3" name="Imagem 2">
-            <a:extLst>
-              <a:ext uri="{FF2B5EF4-FFF2-40B4-BE49-F238E27FC236}">
-                <a16:creationId xmlns:a16="http://schemas.microsoft.com/office/drawing/2014/main" id="{AEE0A06B-0C29-4215-AAC8-68B516E4D6D7}"/>
-              </a:ext>
-            </a:extLst>
-          </p:cNvPr>
-          <p:cNvPicPr>
-            <a:picLocks noChangeAspect="1"/>
-          </p:cNvPicPr>
-          <p:nvPr/>
-        </p:nvPicPr>
-        <p:blipFill>
-          <a:blip r:embed="rId3">
-            <a:extLst>
-              <a:ext uri="{28A0092B-C50C-407E-A947-70E740481C1C}">
-                <a14:useLocalDpi xmlns:a14="http://schemas.microsoft.com/office/drawing/2010/main" val="0"/>
-              </a:ext>
-            </a:extLst>
-          </a:blip>
-          <a:stretch>
-            <a:fillRect/>
-          </a:stretch>
-        </p:blipFill>
-        <p:spPr>
-          <a:xfrm>
-            <a:off x="1864299" y="1969477"/>
-            <a:ext cx="8463401" cy="4389120"/>
-          </a:xfrm>
-          <a:prstGeom prst="rect">
-            <a:avLst/>
-          </a:prstGeom>
-        </p:spPr>
-      </p:pic>
-      <p:sp>
-        <p:nvSpPr>
-          <p:cNvPr id="4" name="CaixaDeTexto 3">
-            <a:extLst>
-              <a:ext uri="{FF2B5EF4-FFF2-40B4-BE49-F238E27FC236}">
-                <a16:creationId xmlns:a16="http://schemas.microsoft.com/office/drawing/2014/main" id="{7912B44A-3B8A-4F75-92FD-D754EE788C7A}"/>
+      <p:sp>
+        <p:nvSpPr>
+          <p:cNvPr id="2" name="CaixaDeTexto 1">
+            <a:extLst>
+              <a:ext uri="{FF2B5EF4-FFF2-40B4-BE49-F238E27FC236}">
+                <a16:creationId xmlns:a16="http://schemas.microsoft.com/office/drawing/2014/main" id="{5704927A-572F-48A8-B56C-B6B3F2367E4E}"/>
               </a:ext>
             </a:extLst>
           </p:cNvPr>
@@ -6621,8 +6568,8 @@
         </p:nvSpPr>
         <p:spPr>
           <a:xfrm>
-            <a:off x="1615439" y="639077"/>
-            <a:ext cx="8961120" cy="830997"/>
+            <a:off x="308111" y="1935930"/>
+            <a:ext cx="11575775" cy="3785652"/>
           </a:xfrm>
           <a:prstGeom prst="rect">
             <a:avLst/>
@@ -6635,12 +6582,90 @@
           </a:bodyPr>
           <a:lstStyle/>
           <a:p>
-            <a:r>
-              <a:rPr lang="pt-BR" sz="4800" dirty="0">
+            <a:pPr algn="ctr"/>
+            <a:r>
+              <a:rPr lang="pt-BR" sz="4000" dirty="0">
                 <a:latin typeface="Arial" panose="020B0604020202020204" pitchFamily="34" charset="0"/>
                 <a:cs typeface="Arial" panose="020B0604020202020204" pitchFamily="34" charset="0"/>
               </a:rPr>
-              <a:t>EXEMPLOS DE USO DO RFID</a:t>
+              <a:t>VAMOS UTILIZAR PARA O DESENVOLVIMENTO DO SISTEMA A LINGUAGEM </a:t>
+            </a:r>
+            <a:r>
+              <a:rPr lang="pt-BR" sz="4000" b="1" dirty="0">
+                <a:latin typeface="Arial" panose="020B0604020202020204" pitchFamily="34" charset="0"/>
+                <a:cs typeface="Arial" panose="020B0604020202020204" pitchFamily="34" charset="0"/>
+              </a:rPr>
+              <a:t>C# .NET </a:t>
+            </a:r>
+            <a:r>
+              <a:rPr lang="pt-BR" sz="4000" dirty="0">
+                <a:latin typeface="Arial" panose="020B0604020202020204" pitchFamily="34" charset="0"/>
+                <a:cs typeface="Arial" panose="020B0604020202020204" pitchFamily="34" charset="0"/>
+              </a:rPr>
+              <a:t>E </a:t>
+            </a:r>
+            <a:r>
+              <a:rPr lang="pt-BR" sz="4000" b="1" dirty="0">
+                <a:latin typeface="Arial" panose="020B0604020202020204" pitchFamily="34" charset="0"/>
+                <a:cs typeface="Arial" panose="020B0604020202020204" pitchFamily="34" charset="0"/>
+              </a:rPr>
+              <a:t>WINDOWS FORM</a:t>
+            </a:r>
+            <a:r>
+              <a:rPr lang="pt-BR" sz="4000" dirty="0">
+                <a:latin typeface="Arial" panose="020B0604020202020204" pitchFamily="34" charset="0"/>
+                <a:cs typeface="Arial" panose="020B0604020202020204" pitchFamily="34" charset="0"/>
+              </a:rPr>
+              <a:t> PARA O DESENVOLVER A INTERFACE DO PROGRAMA E</a:t>
+            </a:r>
+          </a:p>
+          <a:p>
+            <a:pPr algn="ctr"/>
+            <a:r>
+              <a:rPr lang="pt-BR" sz="4000" dirty="0">
+                <a:latin typeface="Arial" panose="020B0604020202020204" pitchFamily="34" charset="0"/>
+                <a:cs typeface="Arial" panose="020B0604020202020204" pitchFamily="34" charset="0"/>
+              </a:rPr>
+              <a:t>PARA O BANCO DE DADOS SERÁ UTILIZADO O ACESS.</a:t>
+            </a:r>
+          </a:p>
+        </p:txBody>
+      </p:sp>
+      <p:sp>
+        <p:nvSpPr>
+          <p:cNvPr id="3" name="CaixaDeTexto 2">
+            <a:extLst>
+              <a:ext uri="{FF2B5EF4-FFF2-40B4-BE49-F238E27FC236}">
+                <a16:creationId xmlns:a16="http://schemas.microsoft.com/office/drawing/2014/main" id="{0D8DC75F-F3B3-47A2-930A-D9688A6F49DE}"/>
+              </a:ext>
+            </a:extLst>
+          </p:cNvPr>
+          <p:cNvSpPr txBox="1"/>
+          <p:nvPr/>
+        </p:nvSpPr>
+        <p:spPr>
+          <a:xfrm>
+            <a:off x="3597964" y="733684"/>
+            <a:ext cx="4996070" cy="707886"/>
+          </a:xfrm>
+          <a:prstGeom prst="rect">
+            <a:avLst/>
+          </a:prstGeom>
+          <a:noFill/>
+        </p:spPr>
+        <p:txBody>
+          <a:bodyPr wrap="square" rtlCol="0">
+            <a:spAutoFit/>
+          </a:bodyPr>
+          <a:lstStyle/>
+          <a:p>
+            <a:pPr algn="ctr"/>
+            <a:r>
+              <a:rPr lang="pt-BR" sz="4000" b="1" dirty="0">
+                <a:latin typeface="Arial" panose="020B0604020202020204" pitchFamily="34" charset="0"/>
+                <a:cs typeface="Arial" panose="020B0604020202020204" pitchFamily="34" charset="0"/>
+              </a:rPr>
+              <a:t>SOBRE O SISTEMA</a:t>
             </a:r>
           </a:p>
         </p:txBody>
@@ -6648,7 +6673,7 @@
     </p:spTree>
     <p:extLst>
       <p:ext uri="{BB962C8B-B14F-4D97-AF65-F5344CB8AC3E}">
-        <p14:creationId xmlns:p14="http://schemas.microsoft.com/office/powerpoint/2010/main" val="21401433"/>
+        <p14:creationId xmlns:p14="http://schemas.microsoft.com/office/powerpoint/2010/main" val="244105135"/>
       </p:ext>
     </p:extLst>
   </p:cSld>
@@ -6713,10 +6738,10 @@
       </p:pic>
       <p:sp>
         <p:nvSpPr>
-          <p:cNvPr id="2" name="CaixaDeTexto 1">
-            <a:extLst>
-              <a:ext uri="{FF2B5EF4-FFF2-40B4-BE49-F238E27FC236}">
-                <a16:creationId xmlns:a16="http://schemas.microsoft.com/office/drawing/2014/main" id="{5704927A-572F-48A8-B56C-B6B3F2367E4E}"/>
+          <p:cNvPr id="3" name="CaixaDeTexto 2">
+            <a:extLst>
+              <a:ext uri="{FF2B5EF4-FFF2-40B4-BE49-F238E27FC236}">
+                <a16:creationId xmlns:a16="http://schemas.microsoft.com/office/drawing/2014/main" id="{69B5F951-ACA2-4036-8A7B-01A81F8F3021}"/>
               </a:ext>
             </a:extLst>
           </p:cNvPr>
@@ -6725,8 +6750,8 @@
         </p:nvSpPr>
         <p:spPr>
           <a:xfrm>
-            <a:off x="616225" y="1949182"/>
-            <a:ext cx="10959548" cy="4401205"/>
+            <a:off x="251791" y="662609"/>
+            <a:ext cx="11940209" cy="830997"/>
           </a:xfrm>
           <a:prstGeom prst="rect">
             <a:avLst/>
@@ -6741,88 +6766,99 @@
           <a:p>
             <a:pPr algn="ctr"/>
             <a:r>
-              <a:rPr lang="pt-BR" sz="4000" dirty="0">
+              <a:rPr lang="pt-BR" sz="2400" b="1" dirty="0">
                 <a:latin typeface="Arial" panose="020B0604020202020204" pitchFamily="34" charset="0"/>
                 <a:cs typeface="Arial" panose="020B0604020202020204" pitchFamily="34" charset="0"/>
               </a:rPr>
-              <a:t>VAMOS UTILIZAR PARA O DESENVOLVIMENTO DO SISTEMA A LINGUAGEM </a:t>
-            </a:r>
-            <a:r>
-              <a:rPr lang="pt-BR" sz="4000" b="1" dirty="0">
+              <a:t>PORQUE A CRIAÇÃO DE UM SISTEMA NOVO? </a:t>
+            </a:r>
+          </a:p>
+          <a:p>
+            <a:pPr algn="ctr"/>
+            <a:r>
+              <a:rPr lang="pt-BR" sz="2400" b="1" dirty="0">
                 <a:latin typeface="Arial" panose="020B0604020202020204" pitchFamily="34" charset="0"/>
                 <a:cs typeface="Arial" panose="020B0604020202020204" pitchFamily="34" charset="0"/>
               </a:rPr>
-              <a:t>C# .NET </a:t>
-            </a:r>
-            <a:r>
-              <a:rPr lang="pt-BR" sz="4000" dirty="0">
+              <a:t>PORQUE NÃO UTILIZAR UM SISTEMA JÁ EXISTENTE DE MRP, ERP?</a:t>
+            </a:r>
+          </a:p>
+        </p:txBody>
+      </p:sp>
+      <p:sp>
+        <p:nvSpPr>
+          <p:cNvPr id="4" name="CaixaDeTexto 3">
+            <a:extLst>
+              <a:ext uri="{FF2B5EF4-FFF2-40B4-BE49-F238E27FC236}">
+                <a16:creationId xmlns:a16="http://schemas.microsoft.com/office/drawing/2014/main" id="{860B1175-70C2-4F79-9227-79AD9638F763}"/>
+              </a:ext>
+            </a:extLst>
+          </p:cNvPr>
+          <p:cNvSpPr txBox="1"/>
+          <p:nvPr/>
+        </p:nvSpPr>
+        <p:spPr>
+          <a:xfrm>
+            <a:off x="430695" y="4086758"/>
+            <a:ext cx="11330609" cy="1246495"/>
+          </a:xfrm>
+          <a:prstGeom prst="rect">
+            <a:avLst/>
+          </a:prstGeom>
+          <a:noFill/>
+        </p:spPr>
+        <p:txBody>
+          <a:bodyPr wrap="square" rtlCol="0">
+            <a:spAutoFit/>
+          </a:bodyPr>
+          <a:lstStyle/>
+          <a:p>
+            <a:pPr algn="ctr"/>
+            <a:r>
+              <a:rPr lang="pt-BR" sz="2500" dirty="0">
                 <a:latin typeface="Arial" panose="020B0604020202020204" pitchFamily="34" charset="0"/>
                 <a:cs typeface="Arial" panose="020B0604020202020204" pitchFamily="34" charset="0"/>
               </a:rPr>
-              <a:t>E </a:t>
-            </a:r>
-            <a:r>
-              <a:rPr lang="pt-BR" sz="4000" b="1" dirty="0">
+              <a:t>MAS O PRINCIPAL MOTIVO DO CLIENTE ESTÁ PEDINDO UM APLICATIVO NOVO, É QUE OS EXISTENTENTE NO MERCADO NÃO ATENDE A NECESSIDADE ESPECIFICA DA EMPRESA.</a:t>
+            </a:r>
+          </a:p>
+        </p:txBody>
+      </p:sp>
+      <p:sp>
+        <p:nvSpPr>
+          <p:cNvPr id="7" name="CaixaDeTexto 6">
+            <a:extLst>
+              <a:ext uri="{FF2B5EF4-FFF2-40B4-BE49-F238E27FC236}">
+                <a16:creationId xmlns:a16="http://schemas.microsoft.com/office/drawing/2014/main" id="{28A71F03-4242-4578-86E5-7F99E70690DA}"/>
+              </a:ext>
+            </a:extLst>
+          </p:cNvPr>
+          <p:cNvSpPr txBox="1"/>
+          <p:nvPr/>
+        </p:nvSpPr>
+        <p:spPr>
+          <a:xfrm>
+            <a:off x="556592" y="1974574"/>
+            <a:ext cx="10972800" cy="1631216"/>
+          </a:xfrm>
+          <a:prstGeom prst="rect">
+            <a:avLst/>
+          </a:prstGeom>
+          <a:noFill/>
+        </p:spPr>
+        <p:txBody>
+          <a:bodyPr wrap="square" rtlCol="0">
+            <a:spAutoFit/>
+          </a:bodyPr>
+          <a:lstStyle/>
+          <a:p>
+            <a:pPr algn="ctr"/>
+            <a:r>
+              <a:rPr lang="pt-BR" sz="2500" dirty="0">
                 <a:latin typeface="Arial" panose="020B0604020202020204" pitchFamily="34" charset="0"/>
                 <a:cs typeface="Arial" panose="020B0604020202020204" pitchFamily="34" charset="0"/>
               </a:rPr>
-              <a:t>WINDOWS FORM</a:t>
-            </a:r>
-            <a:r>
-              <a:rPr lang="pt-BR" sz="4000" dirty="0">
-                <a:latin typeface="Arial" panose="020B0604020202020204" pitchFamily="34" charset="0"/>
-                <a:cs typeface="Arial" panose="020B0604020202020204" pitchFamily="34" charset="0"/>
-              </a:rPr>
-              <a:t> PARA O DESENVOLVIMENTO DA INTERFACE DO PROGRAMA.</a:t>
-            </a:r>
-          </a:p>
-          <a:p>
-            <a:pPr algn="ctr"/>
-            <a:r>
-              <a:rPr lang="pt-BR" sz="4000" dirty="0">
-                <a:latin typeface="Arial" panose="020B0604020202020204" pitchFamily="34" charset="0"/>
-                <a:cs typeface="Arial" panose="020B0604020202020204" pitchFamily="34" charset="0"/>
-              </a:rPr>
-              <a:t>PARA O BANCO DE DADOS SERÁ UTILIZADO O ACESS</a:t>
-            </a:r>
-          </a:p>
-        </p:txBody>
-      </p:sp>
-      <p:sp>
-        <p:nvSpPr>
-          <p:cNvPr id="3" name="CaixaDeTexto 2">
-            <a:extLst>
-              <a:ext uri="{FF2B5EF4-FFF2-40B4-BE49-F238E27FC236}">
-                <a16:creationId xmlns:a16="http://schemas.microsoft.com/office/drawing/2014/main" id="{0D8DC75F-F3B3-47A2-930A-D9688A6F49DE}"/>
-              </a:ext>
-            </a:extLst>
-          </p:cNvPr>
-          <p:cNvSpPr txBox="1"/>
-          <p:nvPr/>
-        </p:nvSpPr>
-        <p:spPr>
-          <a:xfrm>
-            <a:off x="3597964" y="733684"/>
-            <a:ext cx="4996070" cy="707886"/>
-          </a:xfrm>
-          <a:prstGeom prst="rect">
-            <a:avLst/>
-          </a:prstGeom>
-          <a:noFill/>
-        </p:spPr>
-        <p:txBody>
-          <a:bodyPr wrap="square" rtlCol="0">
-            <a:spAutoFit/>
-          </a:bodyPr>
-          <a:lstStyle/>
-          <a:p>
-            <a:pPr algn="ctr"/>
-            <a:r>
-              <a:rPr lang="pt-BR" sz="4000" b="1" dirty="0">
-                <a:latin typeface="Arial" panose="020B0604020202020204" pitchFamily="34" charset="0"/>
-                <a:cs typeface="Arial" panose="020B0604020202020204" pitchFamily="34" charset="0"/>
-              </a:rPr>
-              <a:t>SOBRE O SISTEMA</a:t>
+              <a:t>EFETUANDO UMA BREVE PESQUISA FOI DESCOBERTO QUE UM SISTEMA NOVO SAI MAIS CARO DO QUE UM SISTEMA JÁ PRONTO, DEVIDO A CONTRATAÇÃO DE UMA EQUIPE PARA DESENVOLVIMENTO, PARA A INTEGRAÇÃO E MANUTENÇÃO</a:t>
             </a:r>
           </a:p>
         </p:txBody>
@@ -6830,7 +6866,7 @@
     </p:spTree>
     <p:extLst>
       <p:ext uri="{BB962C8B-B14F-4D97-AF65-F5344CB8AC3E}">
-        <p14:creationId xmlns:p14="http://schemas.microsoft.com/office/powerpoint/2010/main" val="244105135"/>
+        <p14:creationId xmlns:p14="http://schemas.microsoft.com/office/powerpoint/2010/main" val="52481715"/>
       </p:ext>
     </p:extLst>
   </p:cSld>
